--- a/Manuscript(s)/Meetings with Steve and Ashish/Framework.pptx
+++ b/Manuscript(s)/Meetings with Steve and Ashish/Framework.pptx
@@ -5,8 +5,7 @@
     <p:sldMasterId id="2147483648" r:id="rId1"/>
   </p:sldMasterIdLst>
   <p:sldIdLst>
-    <p:sldId id="256" r:id="rId2"/>
-    <p:sldId id="257" r:id="rId3"/>
+    <p:sldId id="257" r:id="rId2"/>
   </p:sldIdLst>
   <p:sldSz cx="12192000" cy="6858000"/>
   <p:notesSz cx="6858000" cy="9144000"/>
@@ -106,2807 +105,20 @@
     </a:lvl9pPr>
   </p:defaultTextStyle>
   <p:extLst>
+    <p:ext uri="{521415D9-36F7-43E2-AB2F-B90AF26B5E84}">
+      <p14:sectionLst xmlns:p14="http://schemas.microsoft.com/office/powerpoint/2010/main">
+        <p14:section name="Untitled Section" id="{E8FB0D3C-78B0-45AD-81E5-4010D5DB929A}">
+          <p14:sldIdLst>
+            <p14:sldId id="257"/>
+          </p14:sldIdLst>
+        </p14:section>
+      </p14:sectionLst>
+    </p:ext>
     <p:ext uri="{EFAFB233-063F-42B5-8137-9DF3F51BA10A}">
       <p15:sldGuideLst xmlns:p15="http://schemas.microsoft.com/office/powerpoint/2012/main"/>
     </p:ext>
   </p:extLst>
 </p:presentation>
-</file>
-
-<file path=ppt/diagrams/colors1.xml><?xml version="1.0" encoding="utf-8"?>
-<dgm:colorsDef xmlns:dgm="http://schemas.openxmlformats.org/drawingml/2006/diagram" xmlns:a="http://schemas.openxmlformats.org/drawingml/2006/main" uniqueId="urn:microsoft.com/office/officeart/2005/8/colors/accent1_2">
-  <dgm:title val=""/>
-  <dgm:desc val=""/>
-  <dgm:catLst>
-    <dgm:cat type="accent1" pri="11200"/>
-  </dgm:catLst>
-  <dgm:styleLbl name="node0">
-    <dgm:fillClrLst meth="repeat">
-      <a:schemeClr val="accent1"/>
-    </dgm:fillClrLst>
-    <dgm:linClrLst meth="repeat">
-      <a:schemeClr val="lt1"/>
-    </dgm:linClrLst>
-    <dgm:effectClrLst/>
-    <dgm:txLinClrLst/>
-    <dgm:txFillClrLst/>
-    <dgm:txEffectClrLst/>
-  </dgm:styleLbl>
-  <dgm:styleLbl name="alignNode1">
-    <dgm:fillClrLst meth="repeat">
-      <a:schemeClr val="accent1"/>
-    </dgm:fillClrLst>
-    <dgm:linClrLst meth="repeat">
-      <a:schemeClr val="accent1"/>
-    </dgm:linClrLst>
-    <dgm:effectClrLst/>
-    <dgm:txLinClrLst/>
-    <dgm:txFillClrLst/>
-    <dgm:txEffectClrLst/>
-  </dgm:styleLbl>
-  <dgm:styleLbl name="node1">
-    <dgm:fillClrLst meth="repeat">
-      <a:schemeClr val="accent1"/>
-    </dgm:fillClrLst>
-    <dgm:linClrLst meth="repeat">
-      <a:schemeClr val="lt1"/>
-    </dgm:linClrLst>
-    <dgm:effectClrLst/>
-    <dgm:txLinClrLst/>
-    <dgm:txFillClrLst/>
-    <dgm:txEffectClrLst/>
-  </dgm:styleLbl>
-  <dgm:styleLbl name="lnNode1">
-    <dgm:fillClrLst meth="repeat">
-      <a:schemeClr val="accent1"/>
-    </dgm:fillClrLst>
-    <dgm:linClrLst meth="repeat">
-      <a:schemeClr val="lt1"/>
-    </dgm:linClrLst>
-    <dgm:effectClrLst/>
-    <dgm:txLinClrLst/>
-    <dgm:txFillClrLst/>
-    <dgm:txEffectClrLst/>
-  </dgm:styleLbl>
-  <dgm:styleLbl name="vennNode1">
-    <dgm:fillClrLst meth="repeat">
-      <a:schemeClr val="accent1">
-        <a:alpha val="50000"/>
-      </a:schemeClr>
-    </dgm:fillClrLst>
-    <dgm:linClrLst meth="repeat">
-      <a:schemeClr val="lt1"/>
-    </dgm:linClrLst>
-    <dgm:effectClrLst/>
-    <dgm:txLinClrLst/>
-    <dgm:txFillClrLst/>
-    <dgm:txEffectClrLst/>
-  </dgm:styleLbl>
-  <dgm:styleLbl name="node2">
-    <dgm:fillClrLst meth="repeat">
-      <a:schemeClr val="accent1"/>
-    </dgm:fillClrLst>
-    <dgm:linClrLst meth="repeat">
-      <a:schemeClr val="lt1"/>
-    </dgm:linClrLst>
-    <dgm:effectClrLst/>
-    <dgm:txLinClrLst/>
-    <dgm:txFillClrLst/>
-    <dgm:txEffectClrLst/>
-  </dgm:styleLbl>
-  <dgm:styleLbl name="node3">
-    <dgm:fillClrLst meth="repeat">
-      <a:schemeClr val="accent1"/>
-    </dgm:fillClrLst>
-    <dgm:linClrLst meth="repeat">
-      <a:schemeClr val="lt1"/>
-    </dgm:linClrLst>
-    <dgm:effectClrLst/>
-    <dgm:txLinClrLst/>
-    <dgm:txFillClrLst/>
-    <dgm:txEffectClrLst/>
-  </dgm:styleLbl>
-  <dgm:styleLbl name="node4">
-    <dgm:fillClrLst meth="repeat">
-      <a:schemeClr val="accent1"/>
-    </dgm:fillClrLst>
-    <dgm:linClrLst meth="repeat">
-      <a:schemeClr val="lt1"/>
-    </dgm:linClrLst>
-    <dgm:effectClrLst/>
-    <dgm:txLinClrLst/>
-    <dgm:txFillClrLst/>
-    <dgm:txEffectClrLst/>
-  </dgm:styleLbl>
-  <dgm:styleLbl name="fgImgPlace1">
-    <dgm:fillClrLst meth="repeat">
-      <a:schemeClr val="accent1">
-        <a:tint val="50000"/>
-      </a:schemeClr>
-    </dgm:fillClrLst>
-    <dgm:linClrLst meth="repeat">
-      <a:schemeClr val="lt1"/>
-    </dgm:linClrLst>
-    <dgm:effectClrLst/>
-    <dgm:txLinClrLst/>
-    <dgm:txFillClrLst meth="repeat">
-      <a:schemeClr val="lt1"/>
-    </dgm:txFillClrLst>
-    <dgm:txEffectClrLst/>
-  </dgm:styleLbl>
-  <dgm:styleLbl name="alignImgPlace1">
-    <dgm:fillClrLst meth="repeat">
-      <a:schemeClr val="accent1">
-        <a:tint val="50000"/>
-      </a:schemeClr>
-    </dgm:fillClrLst>
-    <dgm:linClrLst meth="repeat">
-      <a:schemeClr val="lt1"/>
-    </dgm:linClrLst>
-    <dgm:effectClrLst/>
-    <dgm:txLinClrLst/>
-    <dgm:txFillClrLst meth="repeat">
-      <a:schemeClr val="lt1"/>
-    </dgm:txFillClrLst>
-    <dgm:txEffectClrLst/>
-  </dgm:styleLbl>
-  <dgm:styleLbl name="bgImgPlace1">
-    <dgm:fillClrLst meth="repeat">
-      <a:schemeClr val="accent1">
-        <a:tint val="50000"/>
-      </a:schemeClr>
-    </dgm:fillClrLst>
-    <dgm:linClrLst meth="repeat">
-      <a:schemeClr val="lt1"/>
-    </dgm:linClrLst>
-    <dgm:effectClrLst/>
-    <dgm:txLinClrLst/>
-    <dgm:txFillClrLst meth="repeat">
-      <a:schemeClr val="lt1"/>
-    </dgm:txFillClrLst>
-    <dgm:txEffectClrLst/>
-  </dgm:styleLbl>
-  <dgm:styleLbl name="sibTrans2D1">
-    <dgm:fillClrLst meth="repeat">
-      <a:schemeClr val="accent1">
-        <a:tint val="60000"/>
-      </a:schemeClr>
-    </dgm:fillClrLst>
-    <dgm:linClrLst meth="repeat">
-      <a:schemeClr val="accent1">
-        <a:tint val="60000"/>
-      </a:schemeClr>
-    </dgm:linClrLst>
-    <dgm:effectClrLst/>
-    <dgm:txLinClrLst/>
-    <dgm:txFillClrLst/>
-    <dgm:txEffectClrLst/>
-  </dgm:styleLbl>
-  <dgm:styleLbl name="fgSibTrans2D1">
-    <dgm:fillClrLst meth="repeat">
-      <a:schemeClr val="accent1">
-        <a:tint val="60000"/>
-      </a:schemeClr>
-    </dgm:fillClrLst>
-    <dgm:linClrLst meth="repeat">
-      <a:schemeClr val="accent1">
-        <a:tint val="60000"/>
-      </a:schemeClr>
-    </dgm:linClrLst>
-    <dgm:effectClrLst/>
-    <dgm:txLinClrLst/>
-    <dgm:txFillClrLst/>
-    <dgm:txEffectClrLst/>
-  </dgm:styleLbl>
-  <dgm:styleLbl name="bgSibTrans2D1">
-    <dgm:fillClrLst meth="repeat">
-      <a:schemeClr val="accent1">
-        <a:tint val="60000"/>
-      </a:schemeClr>
-    </dgm:fillClrLst>
-    <dgm:linClrLst meth="repeat">
-      <a:schemeClr val="accent1">
-        <a:tint val="60000"/>
-      </a:schemeClr>
-    </dgm:linClrLst>
-    <dgm:effectClrLst/>
-    <dgm:txLinClrLst/>
-    <dgm:txFillClrLst/>
-    <dgm:txEffectClrLst/>
-  </dgm:styleLbl>
-  <dgm:styleLbl name="sibTrans1D1">
-    <dgm:fillClrLst meth="repeat">
-      <a:schemeClr val="accent1"/>
-    </dgm:fillClrLst>
-    <dgm:linClrLst meth="repeat">
-      <a:schemeClr val="accent1"/>
-    </dgm:linClrLst>
-    <dgm:effectClrLst/>
-    <dgm:txLinClrLst/>
-    <dgm:txFillClrLst meth="repeat">
-      <a:schemeClr val="tx1"/>
-    </dgm:txFillClrLst>
-    <dgm:txEffectClrLst/>
-  </dgm:styleLbl>
-  <dgm:styleLbl name="callout">
-    <dgm:fillClrLst meth="repeat">
-      <a:schemeClr val="accent1"/>
-    </dgm:fillClrLst>
-    <dgm:linClrLst meth="repeat">
-      <a:schemeClr val="accent1">
-        <a:tint val="50000"/>
-      </a:schemeClr>
-    </dgm:linClrLst>
-    <dgm:effectClrLst/>
-    <dgm:txLinClrLst/>
-    <dgm:txFillClrLst meth="repeat">
-      <a:schemeClr val="tx1"/>
-    </dgm:txFillClrLst>
-    <dgm:txEffectClrLst/>
-  </dgm:styleLbl>
-  <dgm:styleLbl name="asst0">
-    <dgm:fillClrLst meth="repeat">
-      <a:schemeClr val="accent1"/>
-    </dgm:fillClrLst>
-    <dgm:linClrLst meth="repeat">
-      <a:schemeClr val="lt1"/>
-    </dgm:linClrLst>
-    <dgm:effectClrLst/>
-    <dgm:txLinClrLst/>
-    <dgm:txFillClrLst/>
-    <dgm:txEffectClrLst/>
-  </dgm:styleLbl>
-  <dgm:styleLbl name="asst1">
-    <dgm:fillClrLst meth="repeat">
-      <a:schemeClr val="accent1"/>
-    </dgm:fillClrLst>
-    <dgm:linClrLst meth="repeat">
-      <a:schemeClr val="lt1"/>
-    </dgm:linClrLst>
-    <dgm:effectClrLst/>
-    <dgm:txLinClrLst/>
-    <dgm:txFillClrLst/>
-    <dgm:txEffectClrLst/>
-  </dgm:styleLbl>
-  <dgm:styleLbl name="asst2">
-    <dgm:fillClrLst meth="repeat">
-      <a:schemeClr val="accent1"/>
-    </dgm:fillClrLst>
-    <dgm:linClrLst meth="repeat">
-      <a:schemeClr val="lt1"/>
-    </dgm:linClrLst>
-    <dgm:effectClrLst/>
-    <dgm:txLinClrLst/>
-    <dgm:txFillClrLst/>
-    <dgm:txEffectClrLst/>
-  </dgm:styleLbl>
-  <dgm:styleLbl name="asst3">
-    <dgm:fillClrLst meth="repeat">
-      <a:schemeClr val="accent1"/>
-    </dgm:fillClrLst>
-    <dgm:linClrLst meth="repeat">
-      <a:schemeClr val="lt1"/>
-    </dgm:linClrLst>
-    <dgm:effectClrLst/>
-    <dgm:txLinClrLst/>
-    <dgm:txFillClrLst/>
-    <dgm:txEffectClrLst/>
-  </dgm:styleLbl>
-  <dgm:styleLbl name="asst4">
-    <dgm:fillClrLst meth="repeat">
-      <a:schemeClr val="accent1"/>
-    </dgm:fillClrLst>
-    <dgm:linClrLst meth="repeat">
-      <a:schemeClr val="lt1"/>
-    </dgm:linClrLst>
-    <dgm:effectClrLst/>
-    <dgm:txLinClrLst/>
-    <dgm:txFillClrLst/>
-    <dgm:txEffectClrLst/>
-  </dgm:styleLbl>
-  <dgm:styleLbl name="parChTrans2D1">
-    <dgm:fillClrLst meth="repeat">
-      <a:schemeClr val="accent1">
-        <a:tint val="60000"/>
-      </a:schemeClr>
-    </dgm:fillClrLst>
-    <dgm:linClrLst meth="repeat">
-      <a:schemeClr val="accent1">
-        <a:tint val="60000"/>
-      </a:schemeClr>
-    </dgm:linClrLst>
-    <dgm:effectClrLst/>
-    <dgm:txLinClrLst/>
-    <dgm:txFillClrLst meth="repeat">
-      <a:schemeClr val="lt1"/>
-    </dgm:txFillClrLst>
-    <dgm:txEffectClrLst/>
-  </dgm:styleLbl>
-  <dgm:styleLbl name="parChTrans2D2">
-    <dgm:fillClrLst meth="repeat">
-      <a:schemeClr val="accent1"/>
-    </dgm:fillClrLst>
-    <dgm:linClrLst meth="repeat">
-      <a:schemeClr val="accent1"/>
-    </dgm:linClrLst>
-    <dgm:effectClrLst/>
-    <dgm:txLinClrLst/>
-    <dgm:txFillClrLst meth="repeat">
-      <a:schemeClr val="lt1"/>
-    </dgm:txFillClrLst>
-    <dgm:txEffectClrLst/>
-  </dgm:styleLbl>
-  <dgm:styleLbl name="parChTrans2D3">
-    <dgm:fillClrLst meth="repeat">
-      <a:schemeClr val="accent1"/>
-    </dgm:fillClrLst>
-    <dgm:linClrLst meth="repeat">
-      <a:schemeClr val="accent1"/>
-    </dgm:linClrLst>
-    <dgm:effectClrLst/>
-    <dgm:txLinClrLst/>
-    <dgm:txFillClrLst meth="repeat">
-      <a:schemeClr val="lt1"/>
-    </dgm:txFillClrLst>
-    <dgm:txEffectClrLst/>
-  </dgm:styleLbl>
-  <dgm:styleLbl name="parChTrans2D4">
-    <dgm:fillClrLst meth="repeat">
-      <a:schemeClr val="accent1"/>
-    </dgm:fillClrLst>
-    <dgm:linClrLst meth="repeat">
-      <a:schemeClr val="accent1"/>
-    </dgm:linClrLst>
-    <dgm:effectClrLst/>
-    <dgm:txLinClrLst/>
-    <dgm:txFillClrLst meth="repeat">
-      <a:schemeClr val="lt1"/>
-    </dgm:txFillClrLst>
-    <dgm:txEffectClrLst/>
-  </dgm:styleLbl>
-  <dgm:styleLbl name="parChTrans1D1">
-    <dgm:fillClrLst meth="repeat">
-      <a:schemeClr val="accent1"/>
-    </dgm:fillClrLst>
-    <dgm:linClrLst meth="repeat">
-      <a:schemeClr val="accent1">
-        <a:shade val="60000"/>
-      </a:schemeClr>
-    </dgm:linClrLst>
-    <dgm:effectClrLst/>
-    <dgm:txLinClrLst/>
-    <dgm:txFillClrLst meth="repeat">
-      <a:schemeClr val="tx1"/>
-    </dgm:txFillClrLst>
-    <dgm:txEffectClrLst/>
-  </dgm:styleLbl>
-  <dgm:styleLbl name="parChTrans1D2">
-    <dgm:fillClrLst meth="repeat">
-      <a:schemeClr val="accent1"/>
-    </dgm:fillClrLst>
-    <dgm:linClrLst meth="repeat">
-      <a:schemeClr val="accent1">
-        <a:shade val="60000"/>
-      </a:schemeClr>
-    </dgm:linClrLst>
-    <dgm:effectClrLst/>
-    <dgm:txLinClrLst/>
-    <dgm:txFillClrLst meth="repeat">
-      <a:schemeClr val="tx1"/>
-    </dgm:txFillClrLst>
-    <dgm:txEffectClrLst/>
-  </dgm:styleLbl>
-  <dgm:styleLbl name="parChTrans1D3">
-    <dgm:fillClrLst meth="repeat">
-      <a:schemeClr val="accent1"/>
-    </dgm:fillClrLst>
-    <dgm:linClrLst meth="repeat">
-      <a:schemeClr val="accent1">
-        <a:shade val="80000"/>
-      </a:schemeClr>
-    </dgm:linClrLst>
-    <dgm:effectClrLst/>
-    <dgm:txLinClrLst/>
-    <dgm:txFillClrLst meth="repeat">
-      <a:schemeClr val="tx1"/>
-    </dgm:txFillClrLst>
-    <dgm:txEffectClrLst/>
-  </dgm:styleLbl>
-  <dgm:styleLbl name="parChTrans1D4">
-    <dgm:fillClrLst meth="repeat">
-      <a:schemeClr val="accent1"/>
-    </dgm:fillClrLst>
-    <dgm:linClrLst meth="repeat">
-      <a:schemeClr val="accent1">
-        <a:shade val="80000"/>
-      </a:schemeClr>
-    </dgm:linClrLst>
-    <dgm:effectClrLst/>
-    <dgm:txLinClrLst/>
-    <dgm:txFillClrLst meth="repeat">
-      <a:schemeClr val="tx1"/>
-    </dgm:txFillClrLst>
-    <dgm:txEffectClrLst/>
-  </dgm:styleLbl>
-  <dgm:styleLbl name="fgAcc1">
-    <dgm:fillClrLst meth="repeat">
-      <a:schemeClr val="lt1">
-        <a:alpha val="90000"/>
-      </a:schemeClr>
-    </dgm:fillClrLst>
-    <dgm:linClrLst meth="repeat">
-      <a:schemeClr val="accent1"/>
-    </dgm:linClrLst>
-    <dgm:effectClrLst/>
-    <dgm:txLinClrLst/>
-    <dgm:txFillClrLst meth="repeat">
-      <a:schemeClr val="dk1"/>
-    </dgm:txFillClrLst>
-    <dgm:txEffectClrLst/>
-  </dgm:styleLbl>
-  <dgm:styleLbl name="conFgAcc1">
-    <dgm:fillClrLst meth="repeat">
-      <a:schemeClr val="lt1">
-        <a:alpha val="90000"/>
-      </a:schemeClr>
-    </dgm:fillClrLst>
-    <dgm:linClrLst meth="repeat">
-      <a:schemeClr val="accent1"/>
-    </dgm:linClrLst>
-    <dgm:effectClrLst/>
-    <dgm:txLinClrLst/>
-    <dgm:txFillClrLst meth="repeat">
-      <a:schemeClr val="dk1"/>
-    </dgm:txFillClrLst>
-    <dgm:txEffectClrLst/>
-  </dgm:styleLbl>
-  <dgm:styleLbl name="alignAcc1">
-    <dgm:fillClrLst meth="repeat">
-      <a:schemeClr val="lt1">
-        <a:alpha val="90000"/>
-      </a:schemeClr>
-    </dgm:fillClrLst>
-    <dgm:linClrLst meth="repeat">
-      <a:schemeClr val="accent1"/>
-    </dgm:linClrLst>
-    <dgm:effectClrLst/>
-    <dgm:txLinClrLst/>
-    <dgm:txFillClrLst meth="repeat">
-      <a:schemeClr val="dk1"/>
-    </dgm:txFillClrLst>
-    <dgm:txEffectClrLst/>
-  </dgm:styleLbl>
-  <dgm:styleLbl name="trAlignAcc1">
-    <dgm:fillClrLst meth="repeat">
-      <a:schemeClr val="lt1">
-        <a:alpha val="40000"/>
-      </a:schemeClr>
-    </dgm:fillClrLst>
-    <dgm:linClrLst meth="repeat">
-      <a:schemeClr val="accent1"/>
-    </dgm:linClrLst>
-    <dgm:effectClrLst/>
-    <dgm:txLinClrLst/>
-    <dgm:txFillClrLst meth="repeat">
-      <a:schemeClr val="dk1"/>
-    </dgm:txFillClrLst>
-    <dgm:txEffectClrLst/>
-  </dgm:styleLbl>
-  <dgm:styleLbl name="bgAcc1">
-    <dgm:fillClrLst meth="repeat">
-      <a:schemeClr val="lt1">
-        <a:alpha val="90000"/>
-      </a:schemeClr>
-    </dgm:fillClrLst>
-    <dgm:linClrLst meth="repeat">
-      <a:schemeClr val="accent1"/>
-    </dgm:linClrLst>
-    <dgm:effectClrLst/>
-    <dgm:txLinClrLst/>
-    <dgm:txFillClrLst meth="repeat">
-      <a:schemeClr val="dk1"/>
-    </dgm:txFillClrLst>
-    <dgm:txEffectClrLst/>
-  </dgm:styleLbl>
-  <dgm:styleLbl name="solidFgAcc1">
-    <dgm:fillClrLst meth="repeat">
-      <a:schemeClr val="lt1"/>
-    </dgm:fillClrLst>
-    <dgm:linClrLst meth="repeat">
-      <a:schemeClr val="accent1"/>
-    </dgm:linClrLst>
-    <dgm:effectClrLst/>
-    <dgm:txLinClrLst/>
-    <dgm:txFillClrLst meth="repeat">
-      <a:schemeClr val="dk1"/>
-    </dgm:txFillClrLst>
-    <dgm:txEffectClrLst/>
-  </dgm:styleLbl>
-  <dgm:styleLbl name="solidAlignAcc1">
-    <dgm:fillClrLst meth="repeat">
-      <a:schemeClr val="lt1"/>
-    </dgm:fillClrLst>
-    <dgm:linClrLst meth="repeat">
-      <a:schemeClr val="accent1"/>
-    </dgm:linClrLst>
-    <dgm:effectClrLst/>
-    <dgm:txLinClrLst/>
-    <dgm:txFillClrLst meth="repeat">
-      <a:schemeClr val="dk1"/>
-    </dgm:txFillClrLst>
-    <dgm:txEffectClrLst/>
-  </dgm:styleLbl>
-  <dgm:styleLbl name="solidBgAcc1">
-    <dgm:fillClrLst meth="repeat">
-      <a:schemeClr val="lt1"/>
-    </dgm:fillClrLst>
-    <dgm:linClrLst meth="repeat">
-      <a:schemeClr val="accent1"/>
-    </dgm:linClrLst>
-    <dgm:effectClrLst/>
-    <dgm:txLinClrLst/>
-    <dgm:txFillClrLst meth="repeat">
-      <a:schemeClr val="dk1"/>
-    </dgm:txFillClrLst>
-    <dgm:txEffectClrLst/>
-  </dgm:styleLbl>
-  <dgm:styleLbl name="fgAccFollowNode1">
-    <dgm:fillClrLst meth="repeat">
-      <a:schemeClr val="accent1">
-        <a:alpha val="90000"/>
-        <a:tint val="40000"/>
-      </a:schemeClr>
-    </dgm:fillClrLst>
-    <dgm:linClrLst meth="repeat">
-      <a:schemeClr val="accent1">
-        <a:alpha val="90000"/>
-        <a:tint val="40000"/>
-      </a:schemeClr>
-    </dgm:linClrLst>
-    <dgm:effectClrLst/>
-    <dgm:txLinClrLst/>
-    <dgm:txFillClrLst meth="repeat">
-      <a:schemeClr val="dk1"/>
-    </dgm:txFillClrLst>
-    <dgm:txEffectClrLst/>
-  </dgm:styleLbl>
-  <dgm:styleLbl name="alignAccFollowNode1">
-    <dgm:fillClrLst meth="repeat">
-      <a:schemeClr val="accent1">
-        <a:alpha val="90000"/>
-        <a:tint val="40000"/>
-      </a:schemeClr>
-    </dgm:fillClrLst>
-    <dgm:linClrLst meth="repeat">
-      <a:schemeClr val="accent1">
-        <a:alpha val="90000"/>
-        <a:tint val="40000"/>
-      </a:schemeClr>
-    </dgm:linClrLst>
-    <dgm:effectClrLst/>
-    <dgm:txLinClrLst/>
-    <dgm:txFillClrLst meth="repeat">
-      <a:schemeClr val="dk1"/>
-    </dgm:txFillClrLst>
-    <dgm:txEffectClrLst/>
-  </dgm:styleLbl>
-  <dgm:styleLbl name="bgAccFollowNode1">
-    <dgm:fillClrLst meth="repeat">
-      <a:schemeClr val="accent1">
-        <a:alpha val="90000"/>
-        <a:tint val="40000"/>
-      </a:schemeClr>
-    </dgm:fillClrLst>
-    <dgm:linClrLst meth="repeat">
-      <a:schemeClr val="accent1">
-        <a:alpha val="90000"/>
-        <a:tint val="40000"/>
-      </a:schemeClr>
-    </dgm:linClrLst>
-    <dgm:effectClrLst/>
-    <dgm:txLinClrLst/>
-    <dgm:txFillClrLst meth="repeat">
-      <a:schemeClr val="dk1"/>
-    </dgm:txFillClrLst>
-    <dgm:txEffectClrLst/>
-  </dgm:styleLbl>
-  <dgm:styleLbl name="fgAcc0">
-    <dgm:fillClrLst meth="repeat">
-      <a:schemeClr val="lt1">
-        <a:alpha val="90000"/>
-      </a:schemeClr>
-    </dgm:fillClrLst>
-    <dgm:linClrLst meth="repeat">
-      <a:schemeClr val="accent1"/>
-    </dgm:linClrLst>
-    <dgm:effectClrLst/>
-    <dgm:txLinClrLst/>
-    <dgm:txFillClrLst meth="repeat">
-      <a:schemeClr val="dk1"/>
-    </dgm:txFillClrLst>
-    <dgm:txEffectClrLst/>
-  </dgm:styleLbl>
-  <dgm:styleLbl name="fgAcc2">
-    <dgm:fillClrLst meth="repeat">
-      <a:schemeClr val="lt1">
-        <a:alpha val="90000"/>
-      </a:schemeClr>
-    </dgm:fillClrLst>
-    <dgm:linClrLst meth="repeat">
-      <a:schemeClr val="accent1"/>
-    </dgm:linClrLst>
-    <dgm:effectClrLst/>
-    <dgm:txLinClrLst/>
-    <dgm:txFillClrLst meth="repeat">
-      <a:schemeClr val="dk1"/>
-    </dgm:txFillClrLst>
-    <dgm:txEffectClrLst/>
-  </dgm:styleLbl>
-  <dgm:styleLbl name="fgAcc3">
-    <dgm:fillClrLst meth="repeat">
-      <a:schemeClr val="lt1">
-        <a:alpha val="90000"/>
-      </a:schemeClr>
-    </dgm:fillClrLst>
-    <dgm:linClrLst meth="repeat">
-      <a:schemeClr val="accent1"/>
-    </dgm:linClrLst>
-    <dgm:effectClrLst/>
-    <dgm:txLinClrLst/>
-    <dgm:txFillClrLst meth="repeat">
-      <a:schemeClr val="dk1"/>
-    </dgm:txFillClrLst>
-    <dgm:txEffectClrLst/>
-  </dgm:styleLbl>
-  <dgm:styleLbl name="fgAcc4">
-    <dgm:fillClrLst meth="repeat">
-      <a:schemeClr val="lt1">
-        <a:alpha val="90000"/>
-      </a:schemeClr>
-    </dgm:fillClrLst>
-    <dgm:linClrLst meth="repeat">
-      <a:schemeClr val="accent1"/>
-    </dgm:linClrLst>
-    <dgm:effectClrLst/>
-    <dgm:txLinClrLst/>
-    <dgm:txFillClrLst meth="repeat">
-      <a:schemeClr val="dk1"/>
-    </dgm:txFillClrLst>
-    <dgm:txEffectClrLst/>
-  </dgm:styleLbl>
-  <dgm:styleLbl name="bgShp">
-    <dgm:fillClrLst meth="repeat">
-      <a:schemeClr val="accent1">
-        <a:tint val="40000"/>
-      </a:schemeClr>
-    </dgm:fillClrLst>
-    <dgm:linClrLst meth="repeat">
-      <a:schemeClr val="accent1"/>
-    </dgm:linClrLst>
-    <dgm:effectClrLst/>
-    <dgm:txLinClrLst/>
-    <dgm:txFillClrLst meth="repeat">
-      <a:schemeClr val="dk1"/>
-    </dgm:txFillClrLst>
-    <dgm:txEffectClrLst/>
-  </dgm:styleLbl>
-  <dgm:styleLbl name="dkBgShp">
-    <dgm:fillClrLst meth="repeat">
-      <a:schemeClr val="accent1">
-        <a:shade val="80000"/>
-      </a:schemeClr>
-    </dgm:fillClrLst>
-    <dgm:linClrLst meth="repeat">
-      <a:schemeClr val="accent1"/>
-    </dgm:linClrLst>
-    <dgm:effectClrLst/>
-    <dgm:txLinClrLst/>
-    <dgm:txFillClrLst meth="repeat">
-      <a:schemeClr val="lt1"/>
-    </dgm:txFillClrLst>
-    <dgm:txEffectClrLst/>
-  </dgm:styleLbl>
-  <dgm:styleLbl name="trBgShp">
-    <dgm:fillClrLst meth="repeat">
-      <a:schemeClr val="accent1">
-        <a:tint val="50000"/>
-        <a:alpha val="40000"/>
-      </a:schemeClr>
-    </dgm:fillClrLst>
-    <dgm:linClrLst meth="repeat">
-      <a:schemeClr val="accent1"/>
-    </dgm:linClrLst>
-    <dgm:effectClrLst/>
-    <dgm:txLinClrLst/>
-    <dgm:txFillClrLst meth="repeat">
-      <a:schemeClr val="lt1"/>
-    </dgm:txFillClrLst>
-    <dgm:txEffectClrLst/>
-  </dgm:styleLbl>
-  <dgm:styleLbl name="fgShp">
-    <dgm:fillClrLst meth="repeat">
-      <a:schemeClr val="accent1">
-        <a:tint val="60000"/>
-      </a:schemeClr>
-    </dgm:fillClrLst>
-    <dgm:linClrLst meth="repeat">
-      <a:schemeClr val="lt1"/>
-    </dgm:linClrLst>
-    <dgm:effectClrLst/>
-    <dgm:txLinClrLst/>
-    <dgm:txFillClrLst meth="repeat">
-      <a:schemeClr val="dk1"/>
-    </dgm:txFillClrLst>
-    <dgm:txEffectClrLst/>
-  </dgm:styleLbl>
-  <dgm:styleLbl name="revTx">
-    <dgm:fillClrLst meth="repeat">
-      <a:schemeClr val="lt1">
-        <a:alpha val="0"/>
-      </a:schemeClr>
-    </dgm:fillClrLst>
-    <dgm:linClrLst meth="repeat">
-      <a:schemeClr val="dk1">
-        <a:alpha val="0"/>
-      </a:schemeClr>
-    </dgm:linClrLst>
-    <dgm:effectClrLst/>
-    <dgm:txLinClrLst/>
-    <dgm:txFillClrLst meth="repeat">
-      <a:schemeClr val="tx1"/>
-    </dgm:txFillClrLst>
-    <dgm:txEffectClrLst/>
-  </dgm:styleLbl>
-</dgm:colorsDef>
-</file>
-
-<file path=ppt/diagrams/data1.xml><?xml version="1.0" encoding="utf-8"?>
-<dgm:dataModel xmlns:dgm="http://schemas.openxmlformats.org/drawingml/2006/diagram" xmlns:a="http://schemas.openxmlformats.org/drawingml/2006/main">
-  <dgm:ptLst>
-    <dgm:pt modelId="{A088DFBD-1238-48AD-9F3C-C7CDFAF3F96A}" type="doc">
-      <dgm:prSet loTypeId="urn:microsoft.com/office/officeart/2005/8/layout/process1" loCatId="process" qsTypeId="urn:microsoft.com/office/officeart/2005/8/quickstyle/simple1" qsCatId="simple" csTypeId="urn:microsoft.com/office/officeart/2005/8/colors/accent1_2" csCatId="accent1" phldr="1"/>
-      <dgm:spPr/>
-      <dgm:t>
-        <a:bodyPr/>
-        <a:lstStyle/>
-        <a:p>
-          <a:endParaRPr lang="en-US"/>
-        </a:p>
-      </dgm:t>
-    </dgm:pt>
-    <dgm:pt modelId="{E99EEC4F-169E-4A91-8470-741B70256F21}">
-      <dgm:prSet phldrT="[Text]"/>
-      <dgm:spPr/>
-      <dgm:t>
-        <a:bodyPr/>
-        <a:lstStyle/>
-        <a:p>
-          <a:r>
-            <a:rPr lang="en-US" dirty="0"/>
-            <a:t>Drought	</a:t>
-          </a:r>
-        </a:p>
-      </dgm:t>
-    </dgm:pt>
-    <dgm:pt modelId="{91CEEFA4-A025-47BE-B325-841D3E14022F}" type="parTrans" cxnId="{5A530AFF-E5EC-4B30-BA16-363043DB0F2E}">
-      <dgm:prSet/>
-      <dgm:spPr/>
-      <dgm:t>
-        <a:bodyPr/>
-        <a:lstStyle/>
-        <a:p>
-          <a:endParaRPr lang="en-US"/>
-        </a:p>
-      </dgm:t>
-    </dgm:pt>
-    <dgm:pt modelId="{D17F22C4-C910-4D4E-B3ED-A6FC9C3E48F8}" type="sibTrans" cxnId="{5A530AFF-E5EC-4B30-BA16-363043DB0F2E}">
-      <dgm:prSet/>
-      <dgm:spPr/>
-      <dgm:t>
-        <a:bodyPr/>
-        <a:lstStyle/>
-        <a:p>
-          <a:endParaRPr lang="en-US"/>
-        </a:p>
-      </dgm:t>
-    </dgm:pt>
-    <dgm:pt modelId="{15B7E208-4E46-48C1-8B7D-FF93DB15C28A}">
-      <dgm:prSet phldrT="[Text]"/>
-      <dgm:spPr/>
-      <dgm:t>
-        <a:bodyPr/>
-        <a:lstStyle/>
-        <a:p>
-          <a:r>
-            <a:rPr lang="en-US" dirty="0"/>
-            <a:t>Plant community</a:t>
-          </a:r>
-        </a:p>
-      </dgm:t>
-    </dgm:pt>
-    <dgm:pt modelId="{61998293-66F6-4FBE-9590-F86CE6FEDEF8}" type="parTrans" cxnId="{BEF5BED7-5833-4EA8-9EE1-1B943FDF5100}">
-      <dgm:prSet/>
-      <dgm:spPr/>
-      <dgm:t>
-        <a:bodyPr/>
-        <a:lstStyle/>
-        <a:p>
-          <a:endParaRPr lang="en-US"/>
-        </a:p>
-      </dgm:t>
-    </dgm:pt>
-    <dgm:pt modelId="{A1D567BF-3A2F-42DA-9CA9-6D2C643DA93D}" type="sibTrans" cxnId="{BEF5BED7-5833-4EA8-9EE1-1B943FDF5100}">
-      <dgm:prSet/>
-      <dgm:spPr/>
-      <dgm:t>
-        <a:bodyPr/>
-        <a:lstStyle/>
-        <a:p>
-          <a:endParaRPr lang="en-US"/>
-        </a:p>
-      </dgm:t>
-    </dgm:pt>
-    <dgm:pt modelId="{D8A0E659-FBB2-459B-8475-BD1C1A821CFD}">
-      <dgm:prSet phldrT="[Text]"/>
-      <dgm:spPr/>
-      <dgm:t>
-        <a:bodyPr/>
-        <a:lstStyle/>
-        <a:p>
-          <a:r>
-            <a:rPr lang="en-US" dirty="0"/>
-            <a:t>Microbial community genetic composition (</a:t>
-          </a:r>
-          <a:r>
-            <a:rPr lang="en-US" dirty="0" err="1"/>
-            <a:t>CAZyme</a:t>
-          </a:r>
-          <a:r>
-            <a:rPr lang="en-US" dirty="0"/>
-            <a:t> domain abundance)</a:t>
-          </a:r>
-        </a:p>
-      </dgm:t>
-    </dgm:pt>
-    <dgm:pt modelId="{4B4D485F-3D06-45BC-98B9-62A5FF205205}" type="parTrans" cxnId="{0F3CDBF2-9F3F-4338-9DD3-F46B7EAE0BD1}">
-      <dgm:prSet/>
-      <dgm:spPr/>
-      <dgm:t>
-        <a:bodyPr/>
-        <a:lstStyle/>
-        <a:p>
-          <a:endParaRPr lang="en-US"/>
-        </a:p>
-      </dgm:t>
-    </dgm:pt>
-    <dgm:pt modelId="{1C99473C-EF3E-44FB-A563-7DC23F64FD6B}" type="sibTrans" cxnId="{0F3CDBF2-9F3F-4338-9DD3-F46B7EAE0BD1}">
-      <dgm:prSet/>
-      <dgm:spPr/>
-      <dgm:t>
-        <a:bodyPr/>
-        <a:lstStyle/>
-        <a:p>
-          <a:endParaRPr lang="en-US"/>
-        </a:p>
-      </dgm:t>
-    </dgm:pt>
-    <dgm:pt modelId="{60493E63-A044-41A6-B4F1-35196A3A00C9}">
-      <dgm:prSet/>
-      <dgm:spPr/>
-      <dgm:t>
-        <a:bodyPr/>
-        <a:lstStyle/>
-        <a:p>
-          <a:r>
-            <a:rPr lang="en-US" dirty="0"/>
-            <a:t>Microbial community function (Enzyme Vmax)</a:t>
-          </a:r>
-        </a:p>
-      </dgm:t>
-    </dgm:pt>
-    <dgm:pt modelId="{E8570167-721A-4DAA-AD8C-86D76CA89046}" type="parTrans" cxnId="{00FD2948-3D5B-4BA5-A91A-CACDF4719857}">
-      <dgm:prSet/>
-      <dgm:spPr/>
-      <dgm:t>
-        <a:bodyPr/>
-        <a:lstStyle/>
-        <a:p>
-          <a:endParaRPr lang="en-US"/>
-        </a:p>
-      </dgm:t>
-    </dgm:pt>
-    <dgm:pt modelId="{30B9D94B-6629-4375-B6BB-7D973F7A34FA}" type="sibTrans" cxnId="{00FD2948-3D5B-4BA5-A91A-CACDF4719857}">
-      <dgm:prSet/>
-      <dgm:spPr/>
-      <dgm:t>
-        <a:bodyPr/>
-        <a:lstStyle/>
-        <a:p>
-          <a:endParaRPr lang="en-US"/>
-        </a:p>
-      </dgm:t>
-    </dgm:pt>
-    <dgm:pt modelId="{DB69E39B-1025-409D-AE44-E64E42C4669F}">
-      <dgm:prSet/>
-      <dgm:spPr/>
-      <dgm:t>
-        <a:bodyPr/>
-        <a:lstStyle/>
-        <a:p>
-          <a:endParaRPr lang="en-US" dirty="0"/>
-        </a:p>
-      </dgm:t>
-    </dgm:pt>
-    <dgm:pt modelId="{F5A135A1-2B44-402A-B616-1FBA77326C1F}" type="parTrans" cxnId="{ECB4217B-6D7D-4B8C-AABE-9459E4C19315}">
-      <dgm:prSet/>
-      <dgm:spPr/>
-      <dgm:t>
-        <a:bodyPr/>
-        <a:lstStyle/>
-        <a:p>
-          <a:endParaRPr lang="en-US"/>
-        </a:p>
-      </dgm:t>
-    </dgm:pt>
-    <dgm:pt modelId="{1732048E-FF33-4000-84E8-DA5957ACADEF}" type="sibTrans" cxnId="{ECB4217B-6D7D-4B8C-AABE-9459E4C19315}">
-      <dgm:prSet/>
-      <dgm:spPr/>
-      <dgm:t>
-        <a:bodyPr/>
-        <a:lstStyle/>
-        <a:p>
-          <a:endParaRPr lang="en-US"/>
-        </a:p>
-      </dgm:t>
-    </dgm:pt>
-    <dgm:pt modelId="{CC492D0F-9F9F-44A8-80B0-937C1EAA85AB}" type="pres">
-      <dgm:prSet presAssocID="{A088DFBD-1238-48AD-9F3C-C7CDFAF3F96A}" presName="Name0" presStyleCnt="0">
-        <dgm:presLayoutVars>
-          <dgm:dir/>
-          <dgm:resizeHandles val="exact"/>
-        </dgm:presLayoutVars>
-      </dgm:prSet>
-      <dgm:spPr/>
-    </dgm:pt>
-    <dgm:pt modelId="{649C055B-E95E-431E-BDC5-9221B18635F5}" type="pres">
-      <dgm:prSet presAssocID="{E99EEC4F-169E-4A91-8470-741B70256F21}" presName="node" presStyleLbl="node1" presStyleIdx="0" presStyleCnt="4" custLinFactY="-51616" custLinFactNeighborX="-4440" custLinFactNeighborY="-100000">
-        <dgm:presLayoutVars>
-          <dgm:bulletEnabled val="1"/>
-        </dgm:presLayoutVars>
-      </dgm:prSet>
-      <dgm:spPr/>
-    </dgm:pt>
-    <dgm:pt modelId="{92E354AD-1A62-4281-AD18-19F74C3F97EE}" type="pres">
-      <dgm:prSet presAssocID="{D17F22C4-C910-4D4E-B3ED-A6FC9C3E48F8}" presName="sibTrans" presStyleLbl="sibTrans2D1" presStyleIdx="0" presStyleCnt="3"/>
-      <dgm:spPr/>
-    </dgm:pt>
-    <dgm:pt modelId="{27F347F8-29FD-4CC0-BE7C-D67CD7E42B80}" type="pres">
-      <dgm:prSet presAssocID="{D17F22C4-C910-4D4E-B3ED-A6FC9C3E48F8}" presName="connectorText" presStyleLbl="sibTrans2D1" presStyleIdx="0" presStyleCnt="3"/>
-      <dgm:spPr/>
-    </dgm:pt>
-    <dgm:pt modelId="{5B570B47-1CB9-4079-B515-3BBF8F952D25}" type="pres">
-      <dgm:prSet presAssocID="{15B7E208-4E46-48C1-8B7D-FF93DB15C28A}" presName="node" presStyleLbl="node1" presStyleIdx="1" presStyleCnt="4" custLinFactX="-99448" custLinFactNeighborX="-100000" custLinFactNeighborY="91884">
-        <dgm:presLayoutVars>
-          <dgm:bulletEnabled val="1"/>
-        </dgm:presLayoutVars>
-      </dgm:prSet>
-      <dgm:spPr/>
-    </dgm:pt>
-    <dgm:pt modelId="{F22529BC-9B9C-44EA-9D18-B238B98BE9DD}" type="pres">
-      <dgm:prSet presAssocID="{A1D567BF-3A2F-42DA-9CA9-6D2C643DA93D}" presName="sibTrans" presStyleLbl="sibTrans2D1" presStyleIdx="1" presStyleCnt="3"/>
-      <dgm:spPr/>
-    </dgm:pt>
-    <dgm:pt modelId="{76DBC067-807A-4B9D-B3A0-4AC0ABCED362}" type="pres">
-      <dgm:prSet presAssocID="{A1D567BF-3A2F-42DA-9CA9-6D2C643DA93D}" presName="connectorText" presStyleLbl="sibTrans2D1" presStyleIdx="1" presStyleCnt="3"/>
-      <dgm:spPr/>
-    </dgm:pt>
-    <dgm:pt modelId="{963B31E0-DD7F-48A3-93F1-C0F39515AAFD}" type="pres">
-      <dgm:prSet presAssocID="{D8A0E659-FBB2-459B-8475-BD1C1A821CFD}" presName="node" presStyleLbl="node1" presStyleIdx="2" presStyleCnt="4" custScaleX="144583" custLinFactX="-100000" custLinFactNeighborX="-113934" custLinFactNeighborY="-10810">
-        <dgm:presLayoutVars>
-          <dgm:bulletEnabled val="1"/>
-        </dgm:presLayoutVars>
-      </dgm:prSet>
-      <dgm:spPr/>
-    </dgm:pt>
-    <dgm:pt modelId="{04399A53-9849-4F25-A735-0B91778EB20C}" type="pres">
-      <dgm:prSet presAssocID="{1C99473C-EF3E-44FB-A563-7DC23F64FD6B}" presName="sibTrans" presStyleLbl="sibTrans2D1" presStyleIdx="2" presStyleCnt="3"/>
-      <dgm:spPr/>
-    </dgm:pt>
-    <dgm:pt modelId="{2E82C5FA-7240-454B-9CBB-77A3597BEBC7}" type="pres">
-      <dgm:prSet presAssocID="{1C99473C-EF3E-44FB-A563-7DC23F64FD6B}" presName="connectorText" presStyleLbl="sibTrans2D1" presStyleIdx="2" presStyleCnt="3"/>
-      <dgm:spPr/>
-    </dgm:pt>
-    <dgm:pt modelId="{C9612021-36A3-425B-BCEF-2470E8196DF1}" type="pres">
-      <dgm:prSet presAssocID="{60493E63-A044-41A6-B4F1-35196A3A00C9}" presName="node" presStyleLbl="node1" presStyleIdx="3" presStyleCnt="4" custScaleX="124640" custLinFactX="-92329" custLinFactNeighborX="-100000" custLinFactNeighborY="-9568">
-        <dgm:presLayoutVars>
-          <dgm:bulletEnabled val="1"/>
-        </dgm:presLayoutVars>
-      </dgm:prSet>
-      <dgm:spPr/>
-    </dgm:pt>
-  </dgm:ptLst>
-  <dgm:cxnLst>
-    <dgm:cxn modelId="{08334412-3DF7-4711-BE61-A4C5109206CD}" type="presOf" srcId="{1C99473C-EF3E-44FB-A563-7DC23F64FD6B}" destId="{04399A53-9849-4F25-A735-0B91778EB20C}" srcOrd="0" destOrd="0" presId="urn:microsoft.com/office/officeart/2005/8/layout/process1"/>
-    <dgm:cxn modelId="{5A915C20-A1FD-414D-AF2C-12EFC37B6AC7}" type="presOf" srcId="{D8A0E659-FBB2-459B-8475-BD1C1A821CFD}" destId="{963B31E0-DD7F-48A3-93F1-C0F39515AAFD}" srcOrd="0" destOrd="0" presId="urn:microsoft.com/office/officeart/2005/8/layout/process1"/>
-    <dgm:cxn modelId="{DDD86928-7083-447B-B112-FE5A637C1D73}" type="presOf" srcId="{A1D567BF-3A2F-42DA-9CA9-6D2C643DA93D}" destId="{F22529BC-9B9C-44EA-9D18-B238B98BE9DD}" srcOrd="0" destOrd="0" presId="urn:microsoft.com/office/officeart/2005/8/layout/process1"/>
-    <dgm:cxn modelId="{886DB82A-F723-4747-B16D-F44BA0533F6B}" type="presOf" srcId="{DB69E39B-1025-409D-AE44-E64E42C4669F}" destId="{C9612021-36A3-425B-BCEF-2470E8196DF1}" srcOrd="0" destOrd="1" presId="urn:microsoft.com/office/officeart/2005/8/layout/process1"/>
-    <dgm:cxn modelId="{20162436-AE77-4A1B-8782-689290BB73A8}" type="presOf" srcId="{1C99473C-EF3E-44FB-A563-7DC23F64FD6B}" destId="{2E82C5FA-7240-454B-9CBB-77A3597BEBC7}" srcOrd="1" destOrd="0" presId="urn:microsoft.com/office/officeart/2005/8/layout/process1"/>
-    <dgm:cxn modelId="{CCF27C5B-EFE6-4243-8480-558EBDF12851}" type="presOf" srcId="{D17F22C4-C910-4D4E-B3ED-A6FC9C3E48F8}" destId="{92E354AD-1A62-4281-AD18-19F74C3F97EE}" srcOrd="0" destOrd="0" presId="urn:microsoft.com/office/officeart/2005/8/layout/process1"/>
-    <dgm:cxn modelId="{00FD2948-3D5B-4BA5-A91A-CACDF4719857}" srcId="{A088DFBD-1238-48AD-9F3C-C7CDFAF3F96A}" destId="{60493E63-A044-41A6-B4F1-35196A3A00C9}" srcOrd="3" destOrd="0" parTransId="{E8570167-721A-4DAA-AD8C-86D76CA89046}" sibTransId="{30B9D94B-6629-4375-B6BB-7D973F7A34FA}"/>
-    <dgm:cxn modelId="{7921BF48-E7EF-4577-AAA7-15739C0BDECC}" type="presOf" srcId="{A088DFBD-1238-48AD-9F3C-C7CDFAF3F96A}" destId="{CC492D0F-9F9F-44A8-80B0-937C1EAA85AB}" srcOrd="0" destOrd="0" presId="urn:microsoft.com/office/officeart/2005/8/layout/process1"/>
-    <dgm:cxn modelId="{E4AB6C7A-3FB2-4903-BF2A-8CC9BDF73E40}" type="presOf" srcId="{D17F22C4-C910-4D4E-B3ED-A6FC9C3E48F8}" destId="{27F347F8-29FD-4CC0-BE7C-D67CD7E42B80}" srcOrd="1" destOrd="0" presId="urn:microsoft.com/office/officeart/2005/8/layout/process1"/>
-    <dgm:cxn modelId="{ECB4217B-6D7D-4B8C-AABE-9459E4C19315}" srcId="{60493E63-A044-41A6-B4F1-35196A3A00C9}" destId="{DB69E39B-1025-409D-AE44-E64E42C4669F}" srcOrd="0" destOrd="0" parTransId="{F5A135A1-2B44-402A-B616-1FBA77326C1F}" sibTransId="{1732048E-FF33-4000-84E8-DA5957ACADEF}"/>
-    <dgm:cxn modelId="{1819B592-6CA3-40A9-BF4E-BBB2F6C5D6F2}" type="presOf" srcId="{E99EEC4F-169E-4A91-8470-741B70256F21}" destId="{649C055B-E95E-431E-BDC5-9221B18635F5}" srcOrd="0" destOrd="0" presId="urn:microsoft.com/office/officeart/2005/8/layout/process1"/>
-    <dgm:cxn modelId="{0B1F2297-BF52-4ADB-9BED-059945AC3E52}" type="presOf" srcId="{A1D567BF-3A2F-42DA-9CA9-6D2C643DA93D}" destId="{76DBC067-807A-4B9D-B3A0-4AC0ABCED362}" srcOrd="1" destOrd="0" presId="urn:microsoft.com/office/officeart/2005/8/layout/process1"/>
-    <dgm:cxn modelId="{CE83A6AC-6B92-4D9A-A362-BD4B9CCBCF72}" type="presOf" srcId="{15B7E208-4E46-48C1-8B7D-FF93DB15C28A}" destId="{5B570B47-1CB9-4079-B515-3BBF8F952D25}" srcOrd="0" destOrd="0" presId="urn:microsoft.com/office/officeart/2005/8/layout/process1"/>
-    <dgm:cxn modelId="{43FADCB9-08C7-4D43-AB6A-75430A4BE650}" type="presOf" srcId="{60493E63-A044-41A6-B4F1-35196A3A00C9}" destId="{C9612021-36A3-425B-BCEF-2470E8196DF1}" srcOrd="0" destOrd="0" presId="urn:microsoft.com/office/officeart/2005/8/layout/process1"/>
-    <dgm:cxn modelId="{BEF5BED7-5833-4EA8-9EE1-1B943FDF5100}" srcId="{A088DFBD-1238-48AD-9F3C-C7CDFAF3F96A}" destId="{15B7E208-4E46-48C1-8B7D-FF93DB15C28A}" srcOrd="1" destOrd="0" parTransId="{61998293-66F6-4FBE-9590-F86CE6FEDEF8}" sibTransId="{A1D567BF-3A2F-42DA-9CA9-6D2C643DA93D}"/>
-    <dgm:cxn modelId="{0F3CDBF2-9F3F-4338-9DD3-F46B7EAE0BD1}" srcId="{A088DFBD-1238-48AD-9F3C-C7CDFAF3F96A}" destId="{D8A0E659-FBB2-459B-8475-BD1C1A821CFD}" srcOrd="2" destOrd="0" parTransId="{4B4D485F-3D06-45BC-98B9-62A5FF205205}" sibTransId="{1C99473C-EF3E-44FB-A563-7DC23F64FD6B}"/>
-    <dgm:cxn modelId="{5A530AFF-E5EC-4B30-BA16-363043DB0F2E}" srcId="{A088DFBD-1238-48AD-9F3C-C7CDFAF3F96A}" destId="{E99EEC4F-169E-4A91-8470-741B70256F21}" srcOrd="0" destOrd="0" parTransId="{91CEEFA4-A025-47BE-B325-841D3E14022F}" sibTransId="{D17F22C4-C910-4D4E-B3ED-A6FC9C3E48F8}"/>
-    <dgm:cxn modelId="{181E1F8C-058E-437A-BF4A-E74DAE18A91B}" type="presParOf" srcId="{CC492D0F-9F9F-44A8-80B0-937C1EAA85AB}" destId="{649C055B-E95E-431E-BDC5-9221B18635F5}" srcOrd="0" destOrd="0" presId="urn:microsoft.com/office/officeart/2005/8/layout/process1"/>
-    <dgm:cxn modelId="{E3BA6E35-52EA-4B94-86C8-A9DBAA6882FC}" type="presParOf" srcId="{CC492D0F-9F9F-44A8-80B0-937C1EAA85AB}" destId="{92E354AD-1A62-4281-AD18-19F74C3F97EE}" srcOrd="1" destOrd="0" presId="urn:microsoft.com/office/officeart/2005/8/layout/process1"/>
-    <dgm:cxn modelId="{C6EB1ACF-1F04-4099-AC9A-C7B2438520F9}" type="presParOf" srcId="{92E354AD-1A62-4281-AD18-19F74C3F97EE}" destId="{27F347F8-29FD-4CC0-BE7C-D67CD7E42B80}" srcOrd="0" destOrd="0" presId="urn:microsoft.com/office/officeart/2005/8/layout/process1"/>
-    <dgm:cxn modelId="{F867EA2D-D1AD-4591-BE38-284499CB72DE}" type="presParOf" srcId="{CC492D0F-9F9F-44A8-80B0-937C1EAA85AB}" destId="{5B570B47-1CB9-4079-B515-3BBF8F952D25}" srcOrd="2" destOrd="0" presId="urn:microsoft.com/office/officeart/2005/8/layout/process1"/>
-    <dgm:cxn modelId="{27694D08-B304-44FC-879D-A33D5D3D7EB1}" type="presParOf" srcId="{CC492D0F-9F9F-44A8-80B0-937C1EAA85AB}" destId="{F22529BC-9B9C-44EA-9D18-B238B98BE9DD}" srcOrd="3" destOrd="0" presId="urn:microsoft.com/office/officeart/2005/8/layout/process1"/>
-    <dgm:cxn modelId="{EFE9A769-BF38-4122-A30C-86F39843F401}" type="presParOf" srcId="{F22529BC-9B9C-44EA-9D18-B238B98BE9DD}" destId="{76DBC067-807A-4B9D-B3A0-4AC0ABCED362}" srcOrd="0" destOrd="0" presId="urn:microsoft.com/office/officeart/2005/8/layout/process1"/>
-    <dgm:cxn modelId="{8D92A6D8-FAC3-4A43-A774-00E3D59F9497}" type="presParOf" srcId="{CC492D0F-9F9F-44A8-80B0-937C1EAA85AB}" destId="{963B31E0-DD7F-48A3-93F1-C0F39515AAFD}" srcOrd="4" destOrd="0" presId="urn:microsoft.com/office/officeart/2005/8/layout/process1"/>
-    <dgm:cxn modelId="{EF5C7BE2-B0C2-4172-9C2D-E77528872522}" type="presParOf" srcId="{CC492D0F-9F9F-44A8-80B0-937C1EAA85AB}" destId="{04399A53-9849-4F25-A735-0B91778EB20C}" srcOrd="5" destOrd="0" presId="urn:microsoft.com/office/officeart/2005/8/layout/process1"/>
-    <dgm:cxn modelId="{36EF25AC-7D99-4AAC-9B21-9CFFA008CC4B}" type="presParOf" srcId="{04399A53-9849-4F25-A735-0B91778EB20C}" destId="{2E82C5FA-7240-454B-9CBB-77A3597BEBC7}" srcOrd="0" destOrd="0" presId="urn:microsoft.com/office/officeart/2005/8/layout/process1"/>
-    <dgm:cxn modelId="{5C0B9899-9050-4878-B197-69DE0A771C7D}" type="presParOf" srcId="{CC492D0F-9F9F-44A8-80B0-937C1EAA85AB}" destId="{C9612021-36A3-425B-BCEF-2470E8196DF1}" srcOrd="6" destOrd="0" presId="urn:microsoft.com/office/officeart/2005/8/layout/process1"/>
-  </dgm:cxnLst>
-  <dgm:bg/>
-  <dgm:whole/>
-  <dgm:extLst>
-    <a:ext uri="http://schemas.microsoft.com/office/drawing/2008/diagram">
-      <dsp:dataModelExt xmlns:dsp="http://schemas.microsoft.com/office/drawing/2008/diagram" relId="rId6" minVer="http://schemas.openxmlformats.org/drawingml/2006/diagram"/>
-    </a:ext>
-  </dgm:extLst>
-</dgm:dataModel>
-</file>
-
-<file path=ppt/diagrams/drawing1.xml><?xml version="1.0" encoding="utf-8"?>
-<dsp:drawing xmlns:dgm="http://schemas.openxmlformats.org/drawingml/2006/diagram" xmlns:dsp="http://schemas.microsoft.com/office/drawing/2008/diagram" xmlns:a="http://schemas.openxmlformats.org/drawingml/2006/main">
-  <dsp:spTree>
-    <dsp:nvGrpSpPr>
-      <dsp:cNvPr id="0" name=""/>
-      <dsp:cNvGrpSpPr/>
-    </dsp:nvGrpSpPr>
-    <dsp:grpSpPr/>
-    <dsp:sp modelId="{649C055B-E95E-431E-BDC5-9221B18635F5}">
-      <dsp:nvSpPr>
-        <dsp:cNvPr id="0" name=""/>
-        <dsp:cNvSpPr/>
-      </dsp:nvSpPr>
-      <dsp:spPr>
-        <a:xfrm>
-          <a:off x="0" y="865969"/>
-          <a:ext cx="1878409" cy="1179876"/>
-        </a:xfrm>
-        <a:prstGeom prst="roundRect">
-          <a:avLst>
-            <a:gd name="adj" fmla="val 10000"/>
-          </a:avLst>
-        </a:prstGeom>
-        <a:solidFill>
-          <a:schemeClr val="accent1">
-            <a:hueOff val="0"/>
-            <a:satOff val="0"/>
-            <a:lumOff val="0"/>
-            <a:alphaOff val="0"/>
-          </a:schemeClr>
-        </a:solidFill>
-        <a:ln w="12700" cap="flat" cmpd="sng" algn="ctr">
-          <a:solidFill>
-            <a:schemeClr val="lt1">
-              <a:hueOff val="0"/>
-              <a:satOff val="0"/>
-              <a:lumOff val="0"/>
-              <a:alphaOff val="0"/>
-            </a:schemeClr>
-          </a:solidFill>
-          <a:prstDash val="solid"/>
-          <a:miter lim="800000"/>
-        </a:ln>
-        <a:effectLst/>
-      </dsp:spPr>
-      <dsp:style>
-        <a:lnRef idx="2">
-          <a:scrgbClr r="0" g="0" b="0"/>
-        </a:lnRef>
-        <a:fillRef idx="1">
-          <a:scrgbClr r="0" g="0" b="0"/>
-        </a:fillRef>
-        <a:effectRef idx="0">
-          <a:scrgbClr r="0" g="0" b="0"/>
-        </a:effectRef>
-        <a:fontRef idx="minor">
-          <a:schemeClr val="lt1"/>
-        </a:fontRef>
-      </dsp:style>
-      <dsp:txBody>
-        <a:bodyPr spcFirstLastPara="0" vert="horz" wrap="square" lIns="60960" tIns="60960" rIns="60960" bIns="60960" numCol="1" spcCol="1270" anchor="ctr" anchorCtr="0">
-          <a:noAutofit/>
-        </a:bodyPr>
-        <a:lstStyle/>
-        <a:p>
-          <a:pPr marL="0" lvl="0" indent="0" algn="ctr" defTabSz="711200">
-            <a:lnSpc>
-              <a:spcPct val="90000"/>
-            </a:lnSpc>
-            <a:spcBef>
-              <a:spcPct val="0"/>
-            </a:spcBef>
-            <a:spcAft>
-              <a:spcPct val="35000"/>
-            </a:spcAft>
-            <a:buNone/>
-          </a:pPr>
-          <a:r>
-            <a:rPr lang="en-US" sz="1600" kern="1200" dirty="0"/>
-            <a:t>Drought	</a:t>
-          </a:r>
-        </a:p>
-      </dsp:txBody>
-      <dsp:txXfrm>
-        <a:off x="34557" y="900526"/>
-        <a:ext cx="1809295" cy="1110762"/>
-      </dsp:txXfrm>
-    </dsp:sp>
-    <dsp:sp modelId="{92E354AD-1A62-4281-AD18-19F74C3F97EE}">
-      <dsp:nvSpPr>
-        <dsp:cNvPr id="0" name=""/>
-        <dsp:cNvSpPr/>
-      </dsp:nvSpPr>
-      <dsp:spPr>
-        <a:xfrm rot="5386137">
-          <a:off x="496418" y="2684880"/>
-          <a:ext cx="897361" cy="465845"/>
-        </a:xfrm>
-        <a:prstGeom prst="rightArrow">
-          <a:avLst>
-            <a:gd name="adj1" fmla="val 60000"/>
-            <a:gd name="adj2" fmla="val 50000"/>
-          </a:avLst>
-        </a:prstGeom>
-        <a:solidFill>
-          <a:schemeClr val="accent1">
-            <a:tint val="60000"/>
-            <a:hueOff val="0"/>
-            <a:satOff val="0"/>
-            <a:lumOff val="0"/>
-            <a:alphaOff val="0"/>
-          </a:schemeClr>
-        </a:solidFill>
-        <a:ln>
-          <a:noFill/>
-        </a:ln>
-        <a:effectLst/>
-      </dsp:spPr>
-      <dsp:style>
-        <a:lnRef idx="0">
-          <a:scrgbClr r="0" g="0" b="0"/>
-        </a:lnRef>
-        <a:fillRef idx="1">
-          <a:scrgbClr r="0" g="0" b="0"/>
-        </a:fillRef>
-        <a:effectRef idx="0">
-          <a:scrgbClr r="0" g="0" b="0"/>
-        </a:effectRef>
-        <a:fontRef idx="minor">
-          <a:schemeClr val="lt1"/>
-        </a:fontRef>
-      </dsp:style>
-      <dsp:txBody>
-        <a:bodyPr spcFirstLastPara="0" vert="horz" wrap="square" lIns="0" tIns="0" rIns="0" bIns="0" numCol="1" spcCol="1270" anchor="ctr" anchorCtr="0">
-          <a:noAutofit/>
-        </a:bodyPr>
-        <a:lstStyle/>
-        <a:p>
-          <a:pPr marL="0" lvl="0" indent="0" algn="ctr" defTabSz="577850">
-            <a:lnSpc>
-              <a:spcPct val="90000"/>
-            </a:lnSpc>
-            <a:spcBef>
-              <a:spcPct val="0"/>
-            </a:spcBef>
-            <a:spcAft>
-              <a:spcPct val="35000"/>
-            </a:spcAft>
-            <a:buNone/>
-          </a:pPr>
-          <a:endParaRPr lang="en-US" sz="1300" kern="1200"/>
-        </a:p>
-      </dsp:txBody>
-      <dsp:txXfrm>
-        <a:off x="566013" y="2708173"/>
-        <a:ext cx="757608" cy="279507"/>
-      </dsp:txXfrm>
-    </dsp:sp>
-    <dsp:sp modelId="{5B570B47-1CB9-4079-B515-3BBF8F952D25}">
-      <dsp:nvSpPr>
-        <dsp:cNvPr id="0" name=""/>
-        <dsp:cNvSpPr/>
-      </dsp:nvSpPr>
-      <dsp:spPr>
-        <a:xfrm>
-          <a:off x="11585" y="3738967"/>
-          <a:ext cx="1878409" cy="1179876"/>
-        </a:xfrm>
-        <a:prstGeom prst="roundRect">
-          <a:avLst>
-            <a:gd name="adj" fmla="val 10000"/>
-          </a:avLst>
-        </a:prstGeom>
-        <a:solidFill>
-          <a:schemeClr val="accent1">
-            <a:hueOff val="0"/>
-            <a:satOff val="0"/>
-            <a:lumOff val="0"/>
-            <a:alphaOff val="0"/>
-          </a:schemeClr>
-        </a:solidFill>
-        <a:ln w="12700" cap="flat" cmpd="sng" algn="ctr">
-          <a:solidFill>
-            <a:schemeClr val="lt1">
-              <a:hueOff val="0"/>
-              <a:satOff val="0"/>
-              <a:lumOff val="0"/>
-              <a:alphaOff val="0"/>
-            </a:schemeClr>
-          </a:solidFill>
-          <a:prstDash val="solid"/>
-          <a:miter lim="800000"/>
-        </a:ln>
-        <a:effectLst/>
-      </dsp:spPr>
-      <dsp:style>
-        <a:lnRef idx="2">
-          <a:scrgbClr r="0" g="0" b="0"/>
-        </a:lnRef>
-        <a:fillRef idx="1">
-          <a:scrgbClr r="0" g="0" b="0"/>
-        </a:fillRef>
-        <a:effectRef idx="0">
-          <a:scrgbClr r="0" g="0" b="0"/>
-        </a:effectRef>
-        <a:fontRef idx="minor">
-          <a:schemeClr val="lt1"/>
-        </a:fontRef>
-      </dsp:style>
-      <dsp:txBody>
-        <a:bodyPr spcFirstLastPara="0" vert="horz" wrap="square" lIns="60960" tIns="60960" rIns="60960" bIns="60960" numCol="1" spcCol="1270" anchor="ctr" anchorCtr="0">
-          <a:noAutofit/>
-        </a:bodyPr>
-        <a:lstStyle/>
-        <a:p>
-          <a:pPr marL="0" lvl="0" indent="0" algn="ctr" defTabSz="711200">
-            <a:lnSpc>
-              <a:spcPct val="90000"/>
-            </a:lnSpc>
-            <a:spcBef>
-              <a:spcPct val="0"/>
-            </a:spcBef>
-            <a:spcAft>
-              <a:spcPct val="35000"/>
-            </a:spcAft>
-            <a:buNone/>
-          </a:pPr>
-          <a:r>
-            <a:rPr lang="en-US" sz="1600" kern="1200" dirty="0"/>
-            <a:t>Plant community</a:t>
-          </a:r>
-        </a:p>
-      </dsp:txBody>
-      <dsp:txXfrm>
-        <a:off x="46142" y="3773524"/>
-        <a:ext cx="1809295" cy="1110762"/>
-      </dsp:txXfrm>
-    </dsp:sp>
-    <dsp:sp modelId="{F22529BC-9B9C-44EA-9D18-B238B98BE9DD}">
-      <dsp:nvSpPr>
-        <dsp:cNvPr id="0" name=""/>
-        <dsp:cNvSpPr/>
-      </dsp:nvSpPr>
-      <dsp:spPr>
-        <a:xfrm rot="20253409">
-          <a:off x="2035251" y="3572687"/>
-          <a:ext cx="364875" cy="465845"/>
-        </a:xfrm>
-        <a:prstGeom prst="rightArrow">
-          <a:avLst>
-            <a:gd name="adj1" fmla="val 60000"/>
-            <a:gd name="adj2" fmla="val 50000"/>
-          </a:avLst>
-        </a:prstGeom>
-        <a:solidFill>
-          <a:schemeClr val="accent1">
-            <a:tint val="60000"/>
-            <a:hueOff val="0"/>
-            <a:satOff val="0"/>
-            <a:lumOff val="0"/>
-            <a:alphaOff val="0"/>
-          </a:schemeClr>
-        </a:solidFill>
-        <a:ln>
-          <a:noFill/>
-        </a:ln>
-        <a:effectLst/>
-      </dsp:spPr>
-      <dsp:style>
-        <a:lnRef idx="0">
-          <a:scrgbClr r="0" g="0" b="0"/>
-        </a:lnRef>
-        <a:fillRef idx="1">
-          <a:scrgbClr r="0" g="0" b="0"/>
-        </a:fillRef>
-        <a:effectRef idx="0">
-          <a:scrgbClr r="0" g="0" b="0"/>
-        </a:effectRef>
-        <a:fontRef idx="minor">
-          <a:schemeClr val="lt1"/>
-        </a:fontRef>
-      </dsp:style>
-      <dsp:txBody>
-        <a:bodyPr spcFirstLastPara="0" vert="horz" wrap="square" lIns="0" tIns="0" rIns="0" bIns="0" numCol="1" spcCol="1270" anchor="ctr" anchorCtr="0">
-          <a:noAutofit/>
-        </a:bodyPr>
-        <a:lstStyle/>
-        <a:p>
-          <a:pPr marL="0" lvl="0" indent="0" algn="ctr" defTabSz="577850">
-            <a:lnSpc>
-              <a:spcPct val="90000"/>
-            </a:lnSpc>
-            <a:spcBef>
-              <a:spcPct val="0"/>
-            </a:spcBef>
-            <a:spcAft>
-              <a:spcPct val="35000"/>
-            </a:spcAft>
-            <a:buNone/>
-          </a:pPr>
-          <a:endParaRPr lang="en-US" sz="1300" kern="1200"/>
-        </a:p>
-      </dsp:txBody>
-      <dsp:txXfrm>
-        <a:off x="2039396" y="3686750"/>
-        <a:ext cx="255413" cy="279507"/>
-      </dsp:txXfrm>
-    </dsp:sp>
-    <dsp:sp modelId="{963B31E0-DD7F-48A3-93F1-C0F39515AAFD}">
-      <dsp:nvSpPr>
-        <dsp:cNvPr id="0" name=""/>
-        <dsp:cNvSpPr/>
-      </dsp:nvSpPr>
-      <dsp:spPr>
-        <a:xfrm>
-          <a:off x="2526294" y="2527305"/>
-          <a:ext cx="2715860" cy="1179876"/>
-        </a:xfrm>
-        <a:prstGeom prst="roundRect">
-          <a:avLst>
-            <a:gd name="adj" fmla="val 10000"/>
-          </a:avLst>
-        </a:prstGeom>
-        <a:solidFill>
-          <a:schemeClr val="accent1">
-            <a:hueOff val="0"/>
-            <a:satOff val="0"/>
-            <a:lumOff val="0"/>
-            <a:alphaOff val="0"/>
-          </a:schemeClr>
-        </a:solidFill>
-        <a:ln w="12700" cap="flat" cmpd="sng" algn="ctr">
-          <a:solidFill>
-            <a:schemeClr val="lt1">
-              <a:hueOff val="0"/>
-              <a:satOff val="0"/>
-              <a:lumOff val="0"/>
-              <a:alphaOff val="0"/>
-            </a:schemeClr>
-          </a:solidFill>
-          <a:prstDash val="solid"/>
-          <a:miter lim="800000"/>
-        </a:ln>
-        <a:effectLst/>
-      </dsp:spPr>
-      <dsp:style>
-        <a:lnRef idx="2">
-          <a:scrgbClr r="0" g="0" b="0"/>
-        </a:lnRef>
-        <a:fillRef idx="1">
-          <a:scrgbClr r="0" g="0" b="0"/>
-        </a:fillRef>
-        <a:effectRef idx="0">
-          <a:scrgbClr r="0" g="0" b="0"/>
-        </a:effectRef>
-        <a:fontRef idx="minor">
-          <a:schemeClr val="lt1"/>
-        </a:fontRef>
-      </dsp:style>
-      <dsp:txBody>
-        <a:bodyPr spcFirstLastPara="0" vert="horz" wrap="square" lIns="60960" tIns="60960" rIns="60960" bIns="60960" numCol="1" spcCol="1270" anchor="ctr" anchorCtr="0">
-          <a:noAutofit/>
-        </a:bodyPr>
-        <a:lstStyle/>
-        <a:p>
-          <a:pPr marL="0" lvl="0" indent="0" algn="ctr" defTabSz="711200">
-            <a:lnSpc>
-              <a:spcPct val="90000"/>
-            </a:lnSpc>
-            <a:spcBef>
-              <a:spcPct val="0"/>
-            </a:spcBef>
-            <a:spcAft>
-              <a:spcPct val="35000"/>
-            </a:spcAft>
-            <a:buNone/>
-          </a:pPr>
-          <a:r>
-            <a:rPr lang="en-US" sz="1600" kern="1200" dirty="0"/>
-            <a:t>Microbial community genetic composition (</a:t>
-          </a:r>
-          <a:r>
-            <a:rPr lang="en-US" sz="1600" kern="1200" dirty="0" err="1"/>
-            <a:t>CAZyme</a:t>
-          </a:r>
-          <a:r>
-            <a:rPr lang="en-US" sz="1600" kern="1200" dirty="0"/>
-            <a:t> domain abundance)</a:t>
-          </a:r>
-        </a:p>
-      </dsp:txBody>
-      <dsp:txXfrm>
-        <a:off x="2560851" y="2561862"/>
-        <a:ext cx="2646746" cy="1110762"/>
-      </dsp:txXfrm>
-    </dsp:sp>
-    <dsp:sp modelId="{04399A53-9849-4F25-A735-0B91778EB20C}">
-      <dsp:nvSpPr>
-        <dsp:cNvPr id="0" name=""/>
-        <dsp:cNvSpPr/>
-      </dsp:nvSpPr>
-      <dsp:spPr>
-        <a:xfrm rot="14276">
-          <a:off x="5492191" y="2892099"/>
-          <a:ext cx="530084" cy="465845"/>
-        </a:xfrm>
-        <a:prstGeom prst="rightArrow">
-          <a:avLst>
-            <a:gd name="adj1" fmla="val 60000"/>
-            <a:gd name="adj2" fmla="val 50000"/>
-          </a:avLst>
-        </a:prstGeom>
-        <a:solidFill>
-          <a:schemeClr val="accent1">
-            <a:tint val="60000"/>
-            <a:hueOff val="0"/>
-            <a:satOff val="0"/>
-            <a:lumOff val="0"/>
-            <a:alphaOff val="0"/>
-          </a:schemeClr>
-        </a:solidFill>
-        <a:ln>
-          <a:noFill/>
-        </a:ln>
-        <a:effectLst/>
-      </dsp:spPr>
-      <dsp:style>
-        <a:lnRef idx="0">
-          <a:scrgbClr r="0" g="0" b="0"/>
-        </a:lnRef>
-        <a:fillRef idx="1">
-          <a:scrgbClr r="0" g="0" b="0"/>
-        </a:fillRef>
-        <a:effectRef idx="0">
-          <a:scrgbClr r="0" g="0" b="0"/>
-        </a:effectRef>
-        <a:fontRef idx="minor">
-          <a:schemeClr val="lt1"/>
-        </a:fontRef>
-      </dsp:style>
-      <dsp:txBody>
-        <a:bodyPr spcFirstLastPara="0" vert="horz" wrap="square" lIns="0" tIns="0" rIns="0" bIns="0" numCol="1" spcCol="1270" anchor="ctr" anchorCtr="0">
-          <a:noAutofit/>
-        </a:bodyPr>
-        <a:lstStyle/>
-        <a:p>
-          <a:pPr marL="0" lvl="0" indent="0" algn="ctr" defTabSz="577850">
-            <a:lnSpc>
-              <a:spcPct val="90000"/>
-            </a:lnSpc>
-            <a:spcBef>
-              <a:spcPct val="0"/>
-            </a:spcBef>
-            <a:spcAft>
-              <a:spcPct val="35000"/>
-            </a:spcAft>
-            <a:buNone/>
-          </a:pPr>
-          <a:endParaRPr lang="en-US" sz="1300" kern="1200"/>
-        </a:p>
-      </dsp:txBody>
-      <dsp:txXfrm>
-        <a:off x="5492192" y="2984978"/>
-        <a:ext cx="390331" cy="279507"/>
-      </dsp:txXfrm>
-    </dsp:sp>
-    <dsp:sp modelId="{C9612021-36A3-425B-BCEF-2470E8196DF1}">
-      <dsp:nvSpPr>
-        <dsp:cNvPr id="0" name=""/>
-        <dsp:cNvSpPr/>
-      </dsp:nvSpPr>
-      <dsp:spPr>
-        <a:xfrm>
-          <a:off x="6242307" y="2541959"/>
-          <a:ext cx="2341249" cy="1179876"/>
-        </a:xfrm>
-        <a:prstGeom prst="roundRect">
-          <a:avLst>
-            <a:gd name="adj" fmla="val 10000"/>
-          </a:avLst>
-        </a:prstGeom>
-        <a:solidFill>
-          <a:schemeClr val="accent1">
-            <a:hueOff val="0"/>
-            <a:satOff val="0"/>
-            <a:lumOff val="0"/>
-            <a:alphaOff val="0"/>
-          </a:schemeClr>
-        </a:solidFill>
-        <a:ln w="12700" cap="flat" cmpd="sng" algn="ctr">
-          <a:solidFill>
-            <a:schemeClr val="lt1">
-              <a:hueOff val="0"/>
-              <a:satOff val="0"/>
-              <a:lumOff val="0"/>
-              <a:alphaOff val="0"/>
-            </a:schemeClr>
-          </a:solidFill>
-          <a:prstDash val="solid"/>
-          <a:miter lim="800000"/>
-        </a:ln>
-        <a:effectLst/>
-      </dsp:spPr>
-      <dsp:style>
-        <a:lnRef idx="2">
-          <a:scrgbClr r="0" g="0" b="0"/>
-        </a:lnRef>
-        <a:fillRef idx="1">
-          <a:scrgbClr r="0" g="0" b="0"/>
-        </a:fillRef>
-        <a:effectRef idx="0">
-          <a:scrgbClr r="0" g="0" b="0"/>
-        </a:effectRef>
-        <a:fontRef idx="minor">
-          <a:schemeClr val="lt1"/>
-        </a:fontRef>
-      </dsp:style>
-      <dsp:txBody>
-        <a:bodyPr spcFirstLastPara="0" vert="horz" wrap="square" lIns="60960" tIns="60960" rIns="60960" bIns="60960" numCol="1" spcCol="1270" anchor="t" anchorCtr="0">
-          <a:noAutofit/>
-        </a:bodyPr>
-        <a:lstStyle/>
-        <a:p>
-          <a:pPr marL="0" lvl="0" indent="0" algn="l" defTabSz="711200">
-            <a:lnSpc>
-              <a:spcPct val="90000"/>
-            </a:lnSpc>
-            <a:spcBef>
-              <a:spcPct val="0"/>
-            </a:spcBef>
-            <a:spcAft>
-              <a:spcPct val="35000"/>
-            </a:spcAft>
-            <a:buNone/>
-          </a:pPr>
-          <a:r>
-            <a:rPr lang="en-US" sz="1600" kern="1200" dirty="0"/>
-            <a:t>Microbial community function (Enzyme Vmax)</a:t>
-          </a:r>
-        </a:p>
-        <a:p>
-          <a:pPr marL="114300" lvl="1" indent="-114300" algn="l" defTabSz="533400">
-            <a:lnSpc>
-              <a:spcPct val="90000"/>
-            </a:lnSpc>
-            <a:spcBef>
-              <a:spcPct val="0"/>
-            </a:spcBef>
-            <a:spcAft>
-              <a:spcPct val="15000"/>
-            </a:spcAft>
-            <a:buChar char="•"/>
-          </a:pPr>
-          <a:endParaRPr lang="en-US" sz="1200" kern="1200" dirty="0"/>
-        </a:p>
-      </dsp:txBody>
-      <dsp:txXfrm>
-        <a:off x="6276864" y="2576516"/>
-        <a:ext cx="2272135" cy="1110762"/>
-      </dsp:txXfrm>
-    </dsp:sp>
-  </dsp:spTree>
-</dsp:drawing>
-</file>
-
-<file path=ppt/diagrams/layout1.xml><?xml version="1.0" encoding="utf-8"?>
-<dgm:layoutDef xmlns:dgm="http://schemas.openxmlformats.org/drawingml/2006/diagram" xmlns:a="http://schemas.openxmlformats.org/drawingml/2006/main" uniqueId="urn:microsoft.com/office/officeart/2005/8/layout/process1">
-  <dgm:title val=""/>
-  <dgm:desc val=""/>
-  <dgm:catLst>
-    <dgm:cat type="process" pri="1000"/>
-    <dgm:cat type="convert" pri="15000"/>
-  </dgm:catLst>
-  <dgm:sampData useDef="1">
-    <dgm:dataModel>
-      <dgm:ptLst/>
-      <dgm:bg/>
-      <dgm:whole/>
-    </dgm:dataModel>
-  </dgm:sampData>
-  <dgm:styleData>
-    <dgm:dataModel>
-      <dgm:ptLst>
-        <dgm:pt modelId="0" type="doc"/>
-        <dgm:pt modelId="1"/>
-        <dgm:pt modelId="2"/>
-      </dgm:ptLst>
-      <dgm:cxnLst>
-        <dgm:cxn modelId="3" srcId="0" destId="1" srcOrd="0" destOrd="0"/>
-        <dgm:cxn modelId="4" srcId="0" destId="2" srcOrd="1" destOrd="0"/>
-      </dgm:cxnLst>
-      <dgm:bg/>
-      <dgm:whole/>
-    </dgm:dataModel>
-  </dgm:styleData>
-  <dgm:clrData>
-    <dgm:dataModel>
-      <dgm:ptLst>
-        <dgm:pt modelId="0" type="doc"/>
-        <dgm:pt modelId="1"/>
-        <dgm:pt modelId="2"/>
-        <dgm:pt modelId="3"/>
-        <dgm:pt modelId="4"/>
-      </dgm:ptLst>
-      <dgm:cxnLst>
-        <dgm:cxn modelId="5" srcId="0" destId="1" srcOrd="0" destOrd="0"/>
-        <dgm:cxn modelId="6" srcId="0" destId="2" srcOrd="1" destOrd="0"/>
-        <dgm:cxn modelId="7" srcId="0" destId="3" srcOrd="2" destOrd="0"/>
-        <dgm:cxn modelId="8" srcId="0" destId="4" srcOrd="3" destOrd="0"/>
-      </dgm:cxnLst>
-      <dgm:bg/>
-      <dgm:whole/>
-    </dgm:dataModel>
-  </dgm:clrData>
-  <dgm:layoutNode name="Name0">
-    <dgm:varLst>
-      <dgm:dir/>
-      <dgm:resizeHandles val="exact"/>
-    </dgm:varLst>
-    <dgm:choose name="Name1">
-      <dgm:if name="Name2" func="var" arg="dir" op="equ" val="norm">
-        <dgm:alg type="lin"/>
-      </dgm:if>
-      <dgm:else name="Name3">
-        <dgm:alg type="lin">
-          <dgm:param type="linDir" val="fromR"/>
-        </dgm:alg>
-      </dgm:else>
-    </dgm:choose>
-    <dgm:shape xmlns:r="http://schemas.openxmlformats.org/officeDocument/2006/relationships" r:blip="">
-      <dgm:adjLst/>
-    </dgm:shape>
-    <dgm:presOf/>
-    <dgm:constrLst>
-      <dgm:constr type="w" for="ch" ptType="node" refType="w"/>
-      <dgm:constr type="h" for="ch" ptType="node" op="equ"/>
-      <dgm:constr type="primFontSz" for="ch" ptType="node" op="equ" val="65"/>
-      <dgm:constr type="w" for="ch" ptType="sibTrans" refType="w" refFor="ch" refPtType="node" op="equ" fact="0.4"/>
-      <dgm:constr type="h" for="ch" ptType="sibTrans" op="equ"/>
-      <dgm:constr type="primFontSz" for="des" forName="connectorText" op="equ" val="55"/>
-      <dgm:constr type="primFontSz" for="des" forName="connectorText" refType="primFontSz" refFor="ch" refPtType="node" op="lte" fact="0.8"/>
-    </dgm:constrLst>
-    <dgm:ruleLst/>
-    <dgm:forEach name="nodesForEach" axis="ch" ptType="node">
-      <dgm:layoutNode name="node">
-        <dgm:varLst>
-          <dgm:bulletEnabled val="1"/>
-        </dgm:varLst>
-        <dgm:alg type="tx"/>
-        <dgm:shape xmlns:r="http://schemas.openxmlformats.org/officeDocument/2006/relationships" type="roundRect" r:blip="">
-          <dgm:adjLst>
-            <dgm:adj idx="1" val="0.1"/>
-          </dgm:adjLst>
-        </dgm:shape>
-        <dgm:presOf axis="desOrSelf" ptType="node"/>
-        <dgm:constrLst>
-          <dgm:constr type="h" refType="w" fact="0.6"/>
-          <dgm:constr type="tMarg" refType="primFontSz" fact="0.3"/>
-          <dgm:constr type="bMarg" refType="primFontSz" fact="0.3"/>
-          <dgm:constr type="lMarg" refType="primFontSz" fact="0.3"/>
-          <dgm:constr type="rMarg" refType="primFontSz" fact="0.3"/>
-        </dgm:constrLst>
-        <dgm:ruleLst>
-          <dgm:rule type="primFontSz" val="18" fact="NaN" max="NaN"/>
-          <dgm:rule type="h" val="NaN" fact="1.5" max="NaN"/>
-          <dgm:rule type="primFontSz" val="5" fact="NaN" max="NaN"/>
-          <dgm:rule type="h" val="INF" fact="NaN" max="NaN"/>
-        </dgm:ruleLst>
-      </dgm:layoutNode>
-      <dgm:forEach name="sibTransForEach" axis="followSib" ptType="sibTrans" cnt="1">
-        <dgm:layoutNode name="sibTrans">
-          <dgm:alg type="conn">
-            <dgm:param type="begPts" val="auto"/>
-            <dgm:param type="endPts" val="auto"/>
-          </dgm:alg>
-          <dgm:shape xmlns:r="http://schemas.openxmlformats.org/officeDocument/2006/relationships" type="conn" r:blip="">
-            <dgm:adjLst/>
-          </dgm:shape>
-          <dgm:presOf axis="self"/>
-          <dgm:constrLst>
-            <dgm:constr type="h" refType="w" fact="0.62"/>
-            <dgm:constr type="connDist"/>
-            <dgm:constr type="begPad" refType="connDist" fact="0.25"/>
-            <dgm:constr type="endPad" refType="connDist" fact="0.22"/>
-          </dgm:constrLst>
-          <dgm:ruleLst/>
-          <dgm:layoutNode name="connectorText">
-            <dgm:alg type="tx">
-              <dgm:param type="autoTxRot" val="grav"/>
-            </dgm:alg>
-            <dgm:shape xmlns:r="http://schemas.openxmlformats.org/officeDocument/2006/relationships" type="conn" r:blip="" hideGeom="1">
-              <dgm:adjLst/>
-            </dgm:shape>
-            <dgm:presOf axis="self"/>
-            <dgm:constrLst>
-              <dgm:constr type="lMarg"/>
-              <dgm:constr type="rMarg"/>
-              <dgm:constr type="tMarg"/>
-              <dgm:constr type="bMarg"/>
-            </dgm:constrLst>
-            <dgm:ruleLst>
-              <dgm:rule type="primFontSz" val="5" fact="NaN" max="NaN"/>
-            </dgm:ruleLst>
-          </dgm:layoutNode>
-        </dgm:layoutNode>
-      </dgm:forEach>
-    </dgm:forEach>
-  </dgm:layoutNode>
-</dgm:layoutDef>
-</file>
-
-<file path=ppt/diagrams/quickStyle1.xml><?xml version="1.0" encoding="utf-8"?>
-<dgm:styleDef xmlns:dgm="http://schemas.openxmlformats.org/drawingml/2006/diagram" xmlns:a="http://schemas.openxmlformats.org/drawingml/2006/main" uniqueId="urn:microsoft.com/office/officeart/2005/8/quickstyle/simple1">
-  <dgm:title val=""/>
-  <dgm:desc val=""/>
-  <dgm:catLst>
-    <dgm:cat type="simple" pri="10100"/>
-  </dgm:catLst>
-  <dgm:scene3d>
-    <a:camera prst="orthographicFront"/>
-    <a:lightRig rig="threePt" dir="t"/>
-  </dgm:scene3d>
-  <dgm:styleLbl name="node0">
-    <dgm:scene3d>
-      <a:camera prst="orthographicFront"/>
-      <a:lightRig rig="threePt" dir="t"/>
-    </dgm:scene3d>
-    <dgm:sp3d/>
-    <dgm:txPr/>
-    <dgm:style>
-      <a:lnRef idx="2">
-        <a:scrgbClr r="0" g="0" b="0"/>
-      </a:lnRef>
-      <a:fillRef idx="1">
-        <a:scrgbClr r="0" g="0" b="0"/>
-      </a:fillRef>
-      <a:effectRef idx="0">
-        <a:scrgbClr r="0" g="0" b="0"/>
-      </a:effectRef>
-      <a:fontRef idx="minor">
-        <a:schemeClr val="lt1"/>
-      </a:fontRef>
-    </dgm:style>
-  </dgm:styleLbl>
-  <dgm:styleLbl name="lnNode1">
-    <dgm:scene3d>
-      <a:camera prst="orthographicFront"/>
-      <a:lightRig rig="threePt" dir="t"/>
-    </dgm:scene3d>
-    <dgm:sp3d/>
-    <dgm:txPr/>
-    <dgm:style>
-      <a:lnRef idx="2">
-        <a:scrgbClr r="0" g="0" b="0"/>
-      </a:lnRef>
-      <a:fillRef idx="1">
-        <a:scrgbClr r="0" g="0" b="0"/>
-      </a:fillRef>
-      <a:effectRef idx="0">
-        <a:scrgbClr r="0" g="0" b="0"/>
-      </a:effectRef>
-      <a:fontRef idx="minor">
-        <a:schemeClr val="lt1"/>
-      </a:fontRef>
-    </dgm:style>
-  </dgm:styleLbl>
-  <dgm:styleLbl name="vennNode1">
-    <dgm:scene3d>
-      <a:camera prst="orthographicFront"/>
-      <a:lightRig rig="threePt" dir="t"/>
-    </dgm:scene3d>
-    <dgm:sp3d/>
-    <dgm:txPr/>
-    <dgm:style>
-      <a:lnRef idx="2">
-        <a:scrgbClr r="0" g="0" b="0"/>
-      </a:lnRef>
-      <a:fillRef idx="1">
-        <a:scrgbClr r="0" g="0" b="0"/>
-      </a:fillRef>
-      <a:effectRef idx="0">
-        <a:scrgbClr r="0" g="0" b="0"/>
-      </a:effectRef>
-      <a:fontRef idx="minor">
-        <a:schemeClr val="tx1"/>
-      </a:fontRef>
-    </dgm:style>
-  </dgm:styleLbl>
-  <dgm:styleLbl name="alignNode1">
-    <dgm:scene3d>
-      <a:camera prst="orthographicFront"/>
-      <a:lightRig rig="threePt" dir="t"/>
-    </dgm:scene3d>
-    <dgm:sp3d/>
-    <dgm:txPr/>
-    <dgm:style>
-      <a:lnRef idx="2">
-        <a:scrgbClr r="0" g="0" b="0"/>
-      </a:lnRef>
-      <a:fillRef idx="1">
-        <a:scrgbClr r="0" g="0" b="0"/>
-      </a:fillRef>
-      <a:effectRef idx="0">
-        <a:scrgbClr r="0" g="0" b="0"/>
-      </a:effectRef>
-      <a:fontRef idx="minor">
-        <a:schemeClr val="lt1"/>
-      </a:fontRef>
-    </dgm:style>
-  </dgm:styleLbl>
-  <dgm:styleLbl name="node1">
-    <dgm:scene3d>
-      <a:camera prst="orthographicFront"/>
-      <a:lightRig rig="threePt" dir="t"/>
-    </dgm:scene3d>
-    <dgm:sp3d/>
-    <dgm:txPr/>
-    <dgm:style>
-      <a:lnRef idx="2">
-        <a:scrgbClr r="0" g="0" b="0"/>
-      </a:lnRef>
-      <a:fillRef idx="1">
-        <a:scrgbClr r="0" g="0" b="0"/>
-      </a:fillRef>
-      <a:effectRef idx="0">
-        <a:scrgbClr r="0" g="0" b="0"/>
-      </a:effectRef>
-      <a:fontRef idx="minor">
-        <a:schemeClr val="lt1"/>
-      </a:fontRef>
-    </dgm:style>
-  </dgm:styleLbl>
-  <dgm:styleLbl name="node2">
-    <dgm:scene3d>
-      <a:camera prst="orthographicFront"/>
-      <a:lightRig rig="threePt" dir="t"/>
-    </dgm:scene3d>
-    <dgm:sp3d/>
-    <dgm:txPr/>
-    <dgm:style>
-      <a:lnRef idx="2">
-        <a:scrgbClr r="0" g="0" b="0"/>
-      </a:lnRef>
-      <a:fillRef idx="1">
-        <a:scrgbClr r="0" g="0" b="0"/>
-      </a:fillRef>
-      <a:effectRef idx="0">
-        <a:scrgbClr r="0" g="0" b="0"/>
-      </a:effectRef>
-      <a:fontRef idx="minor">
-        <a:schemeClr val="lt1"/>
-      </a:fontRef>
-    </dgm:style>
-  </dgm:styleLbl>
-  <dgm:styleLbl name="node3">
-    <dgm:scene3d>
-      <a:camera prst="orthographicFront"/>
-      <a:lightRig rig="threePt" dir="t"/>
-    </dgm:scene3d>
-    <dgm:sp3d/>
-    <dgm:txPr/>
-    <dgm:style>
-      <a:lnRef idx="2">
-        <a:scrgbClr r="0" g="0" b="0"/>
-      </a:lnRef>
-      <a:fillRef idx="1">
-        <a:scrgbClr r="0" g="0" b="0"/>
-      </a:fillRef>
-      <a:effectRef idx="0">
-        <a:scrgbClr r="0" g="0" b="0"/>
-      </a:effectRef>
-      <a:fontRef idx="minor">
-        <a:schemeClr val="lt1"/>
-      </a:fontRef>
-    </dgm:style>
-  </dgm:styleLbl>
-  <dgm:styleLbl name="node4">
-    <dgm:scene3d>
-      <a:camera prst="orthographicFront"/>
-      <a:lightRig rig="threePt" dir="t"/>
-    </dgm:scene3d>
-    <dgm:sp3d/>
-    <dgm:txPr/>
-    <dgm:style>
-      <a:lnRef idx="2">
-        <a:scrgbClr r="0" g="0" b="0"/>
-      </a:lnRef>
-      <a:fillRef idx="1">
-        <a:scrgbClr r="0" g="0" b="0"/>
-      </a:fillRef>
-      <a:effectRef idx="0">
-        <a:scrgbClr r="0" g="0" b="0"/>
-      </a:effectRef>
-      <a:fontRef idx="minor">
-        <a:schemeClr val="lt1"/>
-      </a:fontRef>
-    </dgm:style>
-  </dgm:styleLbl>
-  <dgm:styleLbl name="fgImgPlace1">
-    <dgm:scene3d>
-      <a:camera prst="orthographicFront"/>
-      <a:lightRig rig="threePt" dir="t"/>
-    </dgm:scene3d>
-    <dgm:sp3d/>
-    <dgm:txPr/>
-    <dgm:style>
-      <a:lnRef idx="2">
-        <a:scrgbClr r="0" g="0" b="0"/>
-      </a:lnRef>
-      <a:fillRef idx="1">
-        <a:scrgbClr r="0" g="0" b="0"/>
-      </a:fillRef>
-      <a:effectRef idx="0">
-        <a:scrgbClr r="0" g="0" b="0"/>
-      </a:effectRef>
-      <a:fontRef idx="minor"/>
-    </dgm:style>
-  </dgm:styleLbl>
-  <dgm:styleLbl name="alignImgPlace1">
-    <dgm:scene3d>
-      <a:camera prst="orthographicFront"/>
-      <a:lightRig rig="threePt" dir="t"/>
-    </dgm:scene3d>
-    <dgm:sp3d/>
-    <dgm:txPr/>
-    <dgm:style>
-      <a:lnRef idx="2">
-        <a:scrgbClr r="0" g="0" b="0"/>
-      </a:lnRef>
-      <a:fillRef idx="1">
-        <a:scrgbClr r="0" g="0" b="0"/>
-      </a:fillRef>
-      <a:effectRef idx="0">
-        <a:scrgbClr r="0" g="0" b="0"/>
-      </a:effectRef>
-      <a:fontRef idx="minor"/>
-    </dgm:style>
-  </dgm:styleLbl>
-  <dgm:styleLbl name="bgImgPlace1">
-    <dgm:scene3d>
-      <a:camera prst="orthographicFront"/>
-      <a:lightRig rig="threePt" dir="t"/>
-    </dgm:scene3d>
-    <dgm:sp3d/>
-    <dgm:txPr/>
-    <dgm:style>
-      <a:lnRef idx="2">
-        <a:scrgbClr r="0" g="0" b="0"/>
-      </a:lnRef>
-      <a:fillRef idx="1">
-        <a:scrgbClr r="0" g="0" b="0"/>
-      </a:fillRef>
-      <a:effectRef idx="0">
-        <a:scrgbClr r="0" g="0" b="0"/>
-      </a:effectRef>
-      <a:fontRef idx="minor"/>
-    </dgm:style>
-  </dgm:styleLbl>
-  <dgm:styleLbl name="sibTrans2D1">
-    <dgm:scene3d>
-      <a:camera prst="orthographicFront"/>
-      <a:lightRig rig="threePt" dir="t"/>
-    </dgm:scene3d>
-    <dgm:sp3d/>
-    <dgm:txPr/>
-    <dgm:style>
-      <a:lnRef idx="0">
-        <a:scrgbClr r="0" g="0" b="0"/>
-      </a:lnRef>
-      <a:fillRef idx="1">
-        <a:scrgbClr r="0" g="0" b="0"/>
-      </a:fillRef>
-      <a:effectRef idx="0">
-        <a:scrgbClr r="0" g="0" b="0"/>
-      </a:effectRef>
-      <a:fontRef idx="minor">
-        <a:schemeClr val="lt1"/>
-      </a:fontRef>
-    </dgm:style>
-  </dgm:styleLbl>
-  <dgm:styleLbl name="fgSibTrans2D1">
-    <dgm:scene3d>
-      <a:camera prst="orthographicFront"/>
-      <a:lightRig rig="threePt" dir="t"/>
-    </dgm:scene3d>
-    <dgm:sp3d/>
-    <dgm:txPr/>
-    <dgm:style>
-      <a:lnRef idx="0">
-        <a:scrgbClr r="0" g="0" b="0"/>
-      </a:lnRef>
-      <a:fillRef idx="1">
-        <a:scrgbClr r="0" g="0" b="0"/>
-      </a:fillRef>
-      <a:effectRef idx="0">
-        <a:scrgbClr r="0" g="0" b="0"/>
-      </a:effectRef>
-      <a:fontRef idx="minor">
-        <a:schemeClr val="lt1"/>
-      </a:fontRef>
-    </dgm:style>
-  </dgm:styleLbl>
-  <dgm:styleLbl name="bgSibTrans2D1">
-    <dgm:scene3d>
-      <a:camera prst="orthographicFront"/>
-      <a:lightRig rig="threePt" dir="t"/>
-    </dgm:scene3d>
-    <dgm:sp3d/>
-    <dgm:txPr/>
-    <dgm:style>
-      <a:lnRef idx="0">
-        <a:scrgbClr r="0" g="0" b="0"/>
-      </a:lnRef>
-      <a:fillRef idx="1">
-        <a:scrgbClr r="0" g="0" b="0"/>
-      </a:fillRef>
-      <a:effectRef idx="0">
-        <a:scrgbClr r="0" g="0" b="0"/>
-      </a:effectRef>
-      <a:fontRef idx="minor">
-        <a:schemeClr val="lt1"/>
-      </a:fontRef>
-    </dgm:style>
-  </dgm:styleLbl>
-  <dgm:styleLbl name="sibTrans1D1">
-    <dgm:scene3d>
-      <a:camera prst="orthographicFront"/>
-      <a:lightRig rig="threePt" dir="t"/>
-    </dgm:scene3d>
-    <dgm:sp3d/>
-    <dgm:txPr/>
-    <dgm:style>
-      <a:lnRef idx="1">
-        <a:scrgbClr r="0" g="0" b="0"/>
-      </a:lnRef>
-      <a:fillRef idx="0">
-        <a:scrgbClr r="0" g="0" b="0"/>
-      </a:fillRef>
-      <a:effectRef idx="0">
-        <a:scrgbClr r="0" g="0" b="0"/>
-      </a:effectRef>
-      <a:fontRef idx="minor"/>
-    </dgm:style>
-  </dgm:styleLbl>
-  <dgm:styleLbl name="callout">
-    <dgm:scene3d>
-      <a:camera prst="orthographicFront"/>
-      <a:lightRig rig="threePt" dir="t"/>
-    </dgm:scene3d>
-    <dgm:sp3d/>
-    <dgm:txPr/>
-    <dgm:style>
-      <a:lnRef idx="2">
-        <a:scrgbClr r="0" g="0" b="0"/>
-      </a:lnRef>
-      <a:fillRef idx="1">
-        <a:scrgbClr r="0" g="0" b="0"/>
-      </a:fillRef>
-      <a:effectRef idx="0">
-        <a:scrgbClr r="0" g="0" b="0"/>
-      </a:effectRef>
-      <a:fontRef idx="minor"/>
-    </dgm:style>
-  </dgm:styleLbl>
-  <dgm:styleLbl name="asst0">
-    <dgm:scene3d>
-      <a:camera prst="orthographicFront"/>
-      <a:lightRig rig="threePt" dir="t"/>
-    </dgm:scene3d>
-    <dgm:sp3d/>
-    <dgm:txPr/>
-    <dgm:style>
-      <a:lnRef idx="2">
-        <a:scrgbClr r="0" g="0" b="0"/>
-      </a:lnRef>
-      <a:fillRef idx="1">
-        <a:scrgbClr r="0" g="0" b="0"/>
-      </a:fillRef>
-      <a:effectRef idx="0">
-        <a:scrgbClr r="0" g="0" b="0"/>
-      </a:effectRef>
-      <a:fontRef idx="minor">
-        <a:schemeClr val="lt1"/>
-      </a:fontRef>
-    </dgm:style>
-  </dgm:styleLbl>
-  <dgm:styleLbl name="asst1">
-    <dgm:scene3d>
-      <a:camera prst="orthographicFront"/>
-      <a:lightRig rig="threePt" dir="t"/>
-    </dgm:scene3d>
-    <dgm:sp3d/>
-    <dgm:txPr/>
-    <dgm:style>
-      <a:lnRef idx="2">
-        <a:scrgbClr r="0" g="0" b="0"/>
-      </a:lnRef>
-      <a:fillRef idx="1">
-        <a:scrgbClr r="0" g="0" b="0"/>
-      </a:fillRef>
-      <a:effectRef idx="0">
-        <a:scrgbClr r="0" g="0" b="0"/>
-      </a:effectRef>
-      <a:fontRef idx="minor">
-        <a:schemeClr val="lt1"/>
-      </a:fontRef>
-    </dgm:style>
-  </dgm:styleLbl>
-  <dgm:styleLbl name="asst2">
-    <dgm:scene3d>
-      <a:camera prst="orthographicFront"/>
-      <a:lightRig rig="threePt" dir="t"/>
-    </dgm:scene3d>
-    <dgm:sp3d/>
-    <dgm:txPr/>
-    <dgm:style>
-      <a:lnRef idx="2">
-        <a:scrgbClr r="0" g="0" b="0"/>
-      </a:lnRef>
-      <a:fillRef idx="1">
-        <a:scrgbClr r="0" g="0" b="0"/>
-      </a:fillRef>
-      <a:effectRef idx="0">
-        <a:scrgbClr r="0" g="0" b="0"/>
-      </a:effectRef>
-      <a:fontRef idx="minor">
-        <a:schemeClr val="lt1"/>
-      </a:fontRef>
-    </dgm:style>
-  </dgm:styleLbl>
-  <dgm:styleLbl name="asst3">
-    <dgm:scene3d>
-      <a:camera prst="orthographicFront"/>
-      <a:lightRig rig="threePt" dir="t"/>
-    </dgm:scene3d>
-    <dgm:sp3d/>
-    <dgm:txPr/>
-    <dgm:style>
-      <a:lnRef idx="2">
-        <a:scrgbClr r="0" g="0" b="0"/>
-      </a:lnRef>
-      <a:fillRef idx="1">
-        <a:scrgbClr r="0" g="0" b="0"/>
-      </a:fillRef>
-      <a:effectRef idx="0">
-        <a:scrgbClr r="0" g="0" b="0"/>
-      </a:effectRef>
-      <a:fontRef idx="minor">
-        <a:schemeClr val="lt1"/>
-      </a:fontRef>
-    </dgm:style>
-  </dgm:styleLbl>
-  <dgm:styleLbl name="asst4">
-    <dgm:scene3d>
-      <a:camera prst="orthographicFront"/>
-      <a:lightRig rig="threePt" dir="t"/>
-    </dgm:scene3d>
-    <dgm:sp3d/>
-    <dgm:txPr/>
-    <dgm:style>
-      <a:lnRef idx="2">
-        <a:scrgbClr r="0" g="0" b="0"/>
-      </a:lnRef>
-      <a:fillRef idx="1">
-        <a:scrgbClr r="0" g="0" b="0"/>
-      </a:fillRef>
-      <a:effectRef idx="0">
-        <a:scrgbClr r="0" g="0" b="0"/>
-      </a:effectRef>
-      <a:fontRef idx="minor">
-        <a:schemeClr val="lt1"/>
-      </a:fontRef>
-    </dgm:style>
-  </dgm:styleLbl>
-  <dgm:styleLbl name="parChTrans2D1">
-    <dgm:scene3d>
-      <a:camera prst="orthographicFront"/>
-      <a:lightRig rig="threePt" dir="t"/>
-    </dgm:scene3d>
-    <dgm:sp3d/>
-    <dgm:txPr/>
-    <dgm:style>
-      <a:lnRef idx="2">
-        <a:scrgbClr r="0" g="0" b="0"/>
-      </a:lnRef>
-      <a:fillRef idx="1">
-        <a:scrgbClr r="0" g="0" b="0"/>
-      </a:fillRef>
-      <a:effectRef idx="0">
-        <a:scrgbClr r="0" g="0" b="0"/>
-      </a:effectRef>
-      <a:fontRef idx="minor">
-        <a:schemeClr val="lt1"/>
-      </a:fontRef>
-    </dgm:style>
-  </dgm:styleLbl>
-  <dgm:styleLbl name="parChTrans2D2">
-    <dgm:scene3d>
-      <a:camera prst="orthographicFront"/>
-      <a:lightRig rig="threePt" dir="t"/>
-    </dgm:scene3d>
-    <dgm:sp3d/>
-    <dgm:txPr/>
-    <dgm:style>
-      <a:lnRef idx="2">
-        <a:scrgbClr r="0" g="0" b="0"/>
-      </a:lnRef>
-      <a:fillRef idx="1">
-        <a:scrgbClr r="0" g="0" b="0"/>
-      </a:fillRef>
-      <a:effectRef idx="0">
-        <a:scrgbClr r="0" g="0" b="0"/>
-      </a:effectRef>
-      <a:fontRef idx="minor">
-        <a:schemeClr val="lt1"/>
-      </a:fontRef>
-    </dgm:style>
-  </dgm:styleLbl>
-  <dgm:styleLbl name="parChTrans2D3">
-    <dgm:scene3d>
-      <a:camera prst="orthographicFront"/>
-      <a:lightRig rig="threePt" dir="t"/>
-    </dgm:scene3d>
-    <dgm:sp3d/>
-    <dgm:txPr/>
-    <dgm:style>
-      <a:lnRef idx="2">
-        <a:scrgbClr r="0" g="0" b="0"/>
-      </a:lnRef>
-      <a:fillRef idx="1">
-        <a:scrgbClr r="0" g="0" b="0"/>
-      </a:fillRef>
-      <a:effectRef idx="0">
-        <a:scrgbClr r="0" g="0" b="0"/>
-      </a:effectRef>
-      <a:fontRef idx="minor">
-        <a:schemeClr val="lt1"/>
-      </a:fontRef>
-    </dgm:style>
-  </dgm:styleLbl>
-  <dgm:styleLbl name="parChTrans2D4">
-    <dgm:scene3d>
-      <a:camera prst="orthographicFront"/>
-      <a:lightRig rig="threePt" dir="t"/>
-    </dgm:scene3d>
-    <dgm:sp3d/>
-    <dgm:txPr/>
-    <dgm:style>
-      <a:lnRef idx="2">
-        <a:scrgbClr r="0" g="0" b="0"/>
-      </a:lnRef>
-      <a:fillRef idx="1">
-        <a:scrgbClr r="0" g="0" b="0"/>
-      </a:fillRef>
-      <a:effectRef idx="0">
-        <a:scrgbClr r="0" g="0" b="0"/>
-      </a:effectRef>
-      <a:fontRef idx="minor">
-        <a:schemeClr val="lt1"/>
-      </a:fontRef>
-    </dgm:style>
-  </dgm:styleLbl>
-  <dgm:styleLbl name="parChTrans1D1">
-    <dgm:scene3d>
-      <a:camera prst="orthographicFront"/>
-      <a:lightRig rig="threePt" dir="t"/>
-    </dgm:scene3d>
-    <dgm:sp3d/>
-    <dgm:txPr/>
-    <dgm:style>
-      <a:lnRef idx="2">
-        <a:scrgbClr r="0" g="0" b="0"/>
-      </a:lnRef>
-      <a:fillRef idx="0">
-        <a:scrgbClr r="0" g="0" b="0"/>
-      </a:fillRef>
-      <a:effectRef idx="0">
-        <a:scrgbClr r="0" g="0" b="0"/>
-      </a:effectRef>
-      <a:fontRef idx="minor"/>
-    </dgm:style>
-  </dgm:styleLbl>
-  <dgm:styleLbl name="parChTrans1D2">
-    <dgm:scene3d>
-      <a:camera prst="orthographicFront"/>
-      <a:lightRig rig="threePt" dir="t"/>
-    </dgm:scene3d>
-    <dgm:sp3d/>
-    <dgm:txPr/>
-    <dgm:style>
-      <a:lnRef idx="2">
-        <a:scrgbClr r="0" g="0" b="0"/>
-      </a:lnRef>
-      <a:fillRef idx="0">
-        <a:scrgbClr r="0" g="0" b="0"/>
-      </a:fillRef>
-      <a:effectRef idx="0">
-        <a:scrgbClr r="0" g="0" b="0"/>
-      </a:effectRef>
-      <a:fontRef idx="minor"/>
-    </dgm:style>
-  </dgm:styleLbl>
-  <dgm:styleLbl name="parChTrans1D3">
-    <dgm:scene3d>
-      <a:camera prst="orthographicFront"/>
-      <a:lightRig rig="threePt" dir="t"/>
-    </dgm:scene3d>
-    <dgm:sp3d/>
-    <dgm:txPr/>
-    <dgm:style>
-      <a:lnRef idx="2">
-        <a:scrgbClr r="0" g="0" b="0"/>
-      </a:lnRef>
-      <a:fillRef idx="0">
-        <a:scrgbClr r="0" g="0" b="0"/>
-      </a:fillRef>
-      <a:effectRef idx="0">
-        <a:scrgbClr r="0" g="0" b="0"/>
-      </a:effectRef>
-      <a:fontRef idx="minor"/>
-    </dgm:style>
-  </dgm:styleLbl>
-  <dgm:styleLbl name="parChTrans1D4">
-    <dgm:scene3d>
-      <a:camera prst="orthographicFront"/>
-      <a:lightRig rig="threePt" dir="t"/>
-    </dgm:scene3d>
-    <dgm:sp3d/>
-    <dgm:txPr/>
-    <dgm:style>
-      <a:lnRef idx="2">
-        <a:scrgbClr r="0" g="0" b="0"/>
-      </a:lnRef>
-      <a:fillRef idx="0">
-        <a:scrgbClr r="0" g="0" b="0"/>
-      </a:fillRef>
-      <a:effectRef idx="0">
-        <a:scrgbClr r="0" g="0" b="0"/>
-      </a:effectRef>
-      <a:fontRef idx="minor"/>
-    </dgm:style>
-  </dgm:styleLbl>
-  <dgm:styleLbl name="fgAcc1">
-    <dgm:scene3d>
-      <a:camera prst="orthographicFront"/>
-      <a:lightRig rig="threePt" dir="t"/>
-    </dgm:scene3d>
-    <dgm:sp3d/>
-    <dgm:txPr/>
-    <dgm:style>
-      <a:lnRef idx="2">
-        <a:scrgbClr r="0" g="0" b="0"/>
-      </a:lnRef>
-      <a:fillRef idx="1">
-        <a:scrgbClr r="0" g="0" b="0"/>
-      </a:fillRef>
-      <a:effectRef idx="0">
-        <a:scrgbClr r="0" g="0" b="0"/>
-      </a:effectRef>
-      <a:fontRef idx="minor"/>
-    </dgm:style>
-  </dgm:styleLbl>
-  <dgm:styleLbl name="conFgAcc1">
-    <dgm:scene3d>
-      <a:camera prst="orthographicFront"/>
-      <a:lightRig rig="threePt" dir="t"/>
-    </dgm:scene3d>
-    <dgm:sp3d/>
-    <dgm:txPr/>
-    <dgm:style>
-      <a:lnRef idx="2">
-        <a:scrgbClr r="0" g="0" b="0"/>
-      </a:lnRef>
-      <a:fillRef idx="1">
-        <a:scrgbClr r="0" g="0" b="0"/>
-      </a:fillRef>
-      <a:effectRef idx="0">
-        <a:scrgbClr r="0" g="0" b="0"/>
-      </a:effectRef>
-      <a:fontRef idx="minor"/>
-    </dgm:style>
-  </dgm:styleLbl>
-  <dgm:styleLbl name="alignAcc1">
-    <dgm:scene3d>
-      <a:camera prst="orthographicFront"/>
-      <a:lightRig rig="threePt" dir="t"/>
-    </dgm:scene3d>
-    <dgm:sp3d/>
-    <dgm:txPr/>
-    <dgm:style>
-      <a:lnRef idx="2">
-        <a:scrgbClr r="0" g="0" b="0"/>
-      </a:lnRef>
-      <a:fillRef idx="1">
-        <a:scrgbClr r="0" g="0" b="0"/>
-      </a:fillRef>
-      <a:effectRef idx="0">
-        <a:scrgbClr r="0" g="0" b="0"/>
-      </a:effectRef>
-      <a:fontRef idx="minor"/>
-    </dgm:style>
-  </dgm:styleLbl>
-  <dgm:styleLbl name="trAlignAcc1">
-    <dgm:scene3d>
-      <a:camera prst="orthographicFront"/>
-      <a:lightRig rig="threePt" dir="t"/>
-    </dgm:scene3d>
-    <dgm:sp3d/>
-    <dgm:txPr/>
-    <dgm:style>
-      <a:lnRef idx="1">
-        <a:scrgbClr r="0" g="0" b="0"/>
-      </a:lnRef>
-      <a:fillRef idx="1">
-        <a:scrgbClr r="0" g="0" b="0"/>
-      </a:fillRef>
-      <a:effectRef idx="0">
-        <a:scrgbClr r="0" g="0" b="0"/>
-      </a:effectRef>
-      <a:fontRef idx="minor"/>
-    </dgm:style>
-  </dgm:styleLbl>
-  <dgm:styleLbl name="bgAcc1">
-    <dgm:scene3d>
-      <a:camera prst="orthographicFront"/>
-      <a:lightRig rig="threePt" dir="t"/>
-    </dgm:scene3d>
-    <dgm:sp3d/>
-    <dgm:txPr/>
-    <dgm:style>
-      <a:lnRef idx="2">
-        <a:scrgbClr r="0" g="0" b="0"/>
-      </a:lnRef>
-      <a:fillRef idx="1">
-        <a:scrgbClr r="0" g="0" b="0"/>
-      </a:fillRef>
-      <a:effectRef idx="0">
-        <a:scrgbClr r="0" g="0" b="0"/>
-      </a:effectRef>
-      <a:fontRef idx="minor"/>
-    </dgm:style>
-  </dgm:styleLbl>
-  <dgm:styleLbl name="solidFgAcc1">
-    <dgm:scene3d>
-      <a:camera prst="orthographicFront"/>
-      <a:lightRig rig="threePt" dir="t"/>
-    </dgm:scene3d>
-    <dgm:sp3d/>
-    <dgm:txPr/>
-    <dgm:style>
-      <a:lnRef idx="2">
-        <a:scrgbClr r="0" g="0" b="0"/>
-      </a:lnRef>
-      <a:fillRef idx="1">
-        <a:scrgbClr r="0" g="0" b="0"/>
-      </a:fillRef>
-      <a:effectRef idx="0">
-        <a:scrgbClr r="0" g="0" b="0"/>
-      </a:effectRef>
-      <a:fontRef idx="minor"/>
-    </dgm:style>
-  </dgm:styleLbl>
-  <dgm:styleLbl name="solidAlignAcc1">
-    <dgm:scene3d>
-      <a:camera prst="orthographicFront"/>
-      <a:lightRig rig="threePt" dir="t"/>
-    </dgm:scene3d>
-    <dgm:sp3d/>
-    <dgm:txPr/>
-    <dgm:style>
-      <a:lnRef idx="2">
-        <a:scrgbClr r="0" g="0" b="0"/>
-      </a:lnRef>
-      <a:fillRef idx="1">
-        <a:scrgbClr r="0" g="0" b="0"/>
-      </a:fillRef>
-      <a:effectRef idx="0">
-        <a:scrgbClr r="0" g="0" b="0"/>
-      </a:effectRef>
-      <a:fontRef idx="minor"/>
-    </dgm:style>
-  </dgm:styleLbl>
-  <dgm:styleLbl name="solidBgAcc1">
-    <dgm:scene3d>
-      <a:camera prst="orthographicFront"/>
-      <a:lightRig rig="threePt" dir="t"/>
-    </dgm:scene3d>
-    <dgm:sp3d/>
-    <dgm:txPr/>
-    <dgm:style>
-      <a:lnRef idx="2">
-        <a:scrgbClr r="0" g="0" b="0"/>
-      </a:lnRef>
-      <a:fillRef idx="1">
-        <a:scrgbClr r="0" g="0" b="0"/>
-      </a:fillRef>
-      <a:effectRef idx="0">
-        <a:scrgbClr r="0" g="0" b="0"/>
-      </a:effectRef>
-      <a:fontRef idx="minor"/>
-    </dgm:style>
-  </dgm:styleLbl>
-  <dgm:styleLbl name="fgAccFollowNode1">
-    <dgm:scene3d>
-      <a:camera prst="orthographicFront"/>
-      <a:lightRig rig="threePt" dir="t"/>
-    </dgm:scene3d>
-    <dgm:sp3d/>
-    <dgm:txPr/>
-    <dgm:style>
-      <a:lnRef idx="2">
-        <a:scrgbClr r="0" g="0" b="0"/>
-      </a:lnRef>
-      <a:fillRef idx="1">
-        <a:scrgbClr r="0" g="0" b="0"/>
-      </a:fillRef>
-      <a:effectRef idx="0">
-        <a:scrgbClr r="0" g="0" b="0"/>
-      </a:effectRef>
-      <a:fontRef idx="minor"/>
-    </dgm:style>
-  </dgm:styleLbl>
-  <dgm:styleLbl name="alignAccFollowNode1">
-    <dgm:scene3d>
-      <a:camera prst="orthographicFront"/>
-      <a:lightRig rig="threePt" dir="t"/>
-    </dgm:scene3d>
-    <dgm:sp3d/>
-    <dgm:txPr/>
-    <dgm:style>
-      <a:lnRef idx="2">
-        <a:scrgbClr r="0" g="0" b="0"/>
-      </a:lnRef>
-      <a:fillRef idx="1">
-        <a:scrgbClr r="0" g="0" b="0"/>
-      </a:fillRef>
-      <a:effectRef idx="0">
-        <a:scrgbClr r="0" g="0" b="0"/>
-      </a:effectRef>
-      <a:fontRef idx="minor"/>
-    </dgm:style>
-  </dgm:styleLbl>
-  <dgm:styleLbl name="bgAccFollowNode1">
-    <dgm:scene3d>
-      <a:camera prst="orthographicFront"/>
-      <a:lightRig rig="threePt" dir="t"/>
-    </dgm:scene3d>
-    <dgm:sp3d/>
-    <dgm:txPr/>
-    <dgm:style>
-      <a:lnRef idx="2">
-        <a:scrgbClr r="0" g="0" b="0"/>
-      </a:lnRef>
-      <a:fillRef idx="1">
-        <a:scrgbClr r="0" g="0" b="0"/>
-      </a:fillRef>
-      <a:effectRef idx="0">
-        <a:scrgbClr r="0" g="0" b="0"/>
-      </a:effectRef>
-      <a:fontRef idx="minor"/>
-    </dgm:style>
-  </dgm:styleLbl>
-  <dgm:styleLbl name="fgAcc0">
-    <dgm:scene3d>
-      <a:camera prst="orthographicFront"/>
-      <a:lightRig rig="threePt" dir="t"/>
-    </dgm:scene3d>
-    <dgm:sp3d/>
-    <dgm:txPr/>
-    <dgm:style>
-      <a:lnRef idx="2">
-        <a:scrgbClr r="0" g="0" b="0"/>
-      </a:lnRef>
-      <a:fillRef idx="1">
-        <a:scrgbClr r="0" g="0" b="0"/>
-      </a:fillRef>
-      <a:effectRef idx="0">
-        <a:scrgbClr r="0" g="0" b="0"/>
-      </a:effectRef>
-      <a:fontRef idx="minor"/>
-    </dgm:style>
-  </dgm:styleLbl>
-  <dgm:styleLbl name="fgAcc2">
-    <dgm:scene3d>
-      <a:camera prst="orthographicFront"/>
-      <a:lightRig rig="threePt" dir="t"/>
-    </dgm:scene3d>
-    <dgm:sp3d/>
-    <dgm:txPr/>
-    <dgm:style>
-      <a:lnRef idx="2">
-        <a:scrgbClr r="0" g="0" b="0"/>
-      </a:lnRef>
-      <a:fillRef idx="1">
-        <a:scrgbClr r="0" g="0" b="0"/>
-      </a:fillRef>
-      <a:effectRef idx="0">
-        <a:scrgbClr r="0" g="0" b="0"/>
-      </a:effectRef>
-      <a:fontRef idx="minor"/>
-    </dgm:style>
-  </dgm:styleLbl>
-  <dgm:styleLbl name="fgAcc3">
-    <dgm:scene3d>
-      <a:camera prst="orthographicFront"/>
-      <a:lightRig rig="threePt" dir="t"/>
-    </dgm:scene3d>
-    <dgm:sp3d/>
-    <dgm:txPr/>
-    <dgm:style>
-      <a:lnRef idx="2">
-        <a:scrgbClr r="0" g="0" b="0"/>
-      </a:lnRef>
-      <a:fillRef idx="1">
-        <a:scrgbClr r="0" g="0" b="0"/>
-      </a:fillRef>
-      <a:effectRef idx="0">
-        <a:scrgbClr r="0" g="0" b="0"/>
-      </a:effectRef>
-      <a:fontRef idx="minor"/>
-    </dgm:style>
-  </dgm:styleLbl>
-  <dgm:styleLbl name="fgAcc4">
-    <dgm:scene3d>
-      <a:camera prst="orthographicFront"/>
-      <a:lightRig rig="threePt" dir="t"/>
-    </dgm:scene3d>
-    <dgm:sp3d/>
-    <dgm:txPr/>
-    <dgm:style>
-      <a:lnRef idx="2">
-        <a:scrgbClr r="0" g="0" b="0"/>
-      </a:lnRef>
-      <a:fillRef idx="1">
-        <a:scrgbClr r="0" g="0" b="0"/>
-      </a:fillRef>
-      <a:effectRef idx="0">
-        <a:scrgbClr r="0" g="0" b="0"/>
-      </a:effectRef>
-      <a:fontRef idx="minor"/>
-    </dgm:style>
-  </dgm:styleLbl>
-  <dgm:styleLbl name="bgShp">
-    <dgm:scene3d>
-      <a:camera prst="orthographicFront"/>
-      <a:lightRig rig="threePt" dir="t"/>
-    </dgm:scene3d>
-    <dgm:sp3d/>
-    <dgm:txPr/>
-    <dgm:style>
-      <a:lnRef idx="0">
-        <a:scrgbClr r="0" g="0" b="0"/>
-      </a:lnRef>
-      <a:fillRef idx="1">
-        <a:scrgbClr r="0" g="0" b="0"/>
-      </a:fillRef>
-      <a:effectRef idx="0">
-        <a:scrgbClr r="0" g="0" b="0"/>
-      </a:effectRef>
-      <a:fontRef idx="minor"/>
-    </dgm:style>
-  </dgm:styleLbl>
-  <dgm:styleLbl name="dkBgShp">
-    <dgm:scene3d>
-      <a:camera prst="orthographicFront"/>
-      <a:lightRig rig="threePt" dir="t"/>
-    </dgm:scene3d>
-    <dgm:sp3d/>
-    <dgm:txPr/>
-    <dgm:style>
-      <a:lnRef idx="0">
-        <a:scrgbClr r="0" g="0" b="0"/>
-      </a:lnRef>
-      <a:fillRef idx="1">
-        <a:scrgbClr r="0" g="0" b="0"/>
-      </a:fillRef>
-      <a:effectRef idx="0">
-        <a:scrgbClr r="0" g="0" b="0"/>
-      </a:effectRef>
-      <a:fontRef idx="minor"/>
-    </dgm:style>
-  </dgm:styleLbl>
-  <dgm:styleLbl name="trBgShp">
-    <dgm:scene3d>
-      <a:camera prst="orthographicFront"/>
-      <a:lightRig rig="threePt" dir="t"/>
-    </dgm:scene3d>
-    <dgm:sp3d/>
-    <dgm:txPr/>
-    <dgm:style>
-      <a:lnRef idx="0">
-        <a:scrgbClr r="0" g="0" b="0"/>
-      </a:lnRef>
-      <a:fillRef idx="1">
-        <a:scrgbClr r="0" g="0" b="0"/>
-      </a:fillRef>
-      <a:effectRef idx="0">
-        <a:scrgbClr r="0" g="0" b="0"/>
-      </a:effectRef>
-      <a:fontRef idx="minor"/>
-    </dgm:style>
-  </dgm:styleLbl>
-  <dgm:styleLbl name="fgShp">
-    <dgm:scene3d>
-      <a:camera prst="orthographicFront"/>
-      <a:lightRig rig="threePt" dir="t"/>
-    </dgm:scene3d>
-    <dgm:sp3d/>
-    <dgm:txPr/>
-    <dgm:style>
-      <a:lnRef idx="2">
-        <a:scrgbClr r="0" g="0" b="0"/>
-      </a:lnRef>
-      <a:fillRef idx="1">
-        <a:scrgbClr r="0" g="0" b="0"/>
-      </a:fillRef>
-      <a:effectRef idx="0">
-        <a:scrgbClr r="0" g="0" b="0"/>
-      </a:effectRef>
-      <a:fontRef idx="minor"/>
-    </dgm:style>
-  </dgm:styleLbl>
-  <dgm:styleLbl name="revTx">
-    <dgm:scene3d>
-      <a:camera prst="orthographicFront"/>
-      <a:lightRig rig="threePt" dir="t"/>
-    </dgm:scene3d>
-    <dgm:sp3d/>
-    <dgm:txPr/>
-    <dgm:style>
-      <a:lnRef idx="0">
-        <a:scrgbClr r="0" g="0" b="0"/>
-      </a:lnRef>
-      <a:fillRef idx="0">
-        <a:scrgbClr r="0" g="0" b="0"/>
-      </a:fillRef>
-      <a:effectRef idx="0">
-        <a:scrgbClr r="0" g="0" b="0"/>
-      </a:effectRef>
-      <a:fontRef idx="minor"/>
-    </dgm:style>
-  </dgm:styleLbl>
-</dgm:styleDef>
 </file>
 
 <file path=ppt/slideLayouts/slideLayout1.xml><?xml version="1.0" encoding="utf-8"?>
@@ -3056,7 +268,7 @@
           <a:p>
             <a:fld id="{5BFFF451-0D1F-4CDF-9F7D-A2BA04FDB79E}" type="datetimeFigureOut">
               <a:rPr lang="en-US" smtClean="0"/>
-              <a:t>1/15/2023</a:t>
+              <a:t>1/20/2024</a:t>
             </a:fld>
             <a:endParaRPr lang="en-US"/>
           </a:p>
@@ -3254,7 +466,7 @@
           <a:p>
             <a:fld id="{5BFFF451-0D1F-4CDF-9F7D-A2BA04FDB79E}" type="datetimeFigureOut">
               <a:rPr lang="en-US" smtClean="0"/>
-              <a:t>1/15/2023</a:t>
+              <a:t>1/20/2024</a:t>
             </a:fld>
             <a:endParaRPr lang="en-US"/>
           </a:p>
@@ -3462,7 +674,7 @@
           <a:p>
             <a:fld id="{5BFFF451-0D1F-4CDF-9F7D-A2BA04FDB79E}" type="datetimeFigureOut">
               <a:rPr lang="en-US" smtClean="0"/>
-              <a:t>1/15/2023</a:t>
+              <a:t>1/20/2024</a:t>
             </a:fld>
             <a:endParaRPr lang="en-US"/>
           </a:p>
@@ -3660,7 +872,7 @@
           <a:p>
             <a:fld id="{5BFFF451-0D1F-4CDF-9F7D-A2BA04FDB79E}" type="datetimeFigureOut">
               <a:rPr lang="en-US" smtClean="0"/>
-              <a:t>1/15/2023</a:t>
+              <a:t>1/20/2024</a:t>
             </a:fld>
             <a:endParaRPr lang="en-US"/>
           </a:p>
@@ -3935,7 +1147,7 @@
           <a:p>
             <a:fld id="{5BFFF451-0D1F-4CDF-9F7D-A2BA04FDB79E}" type="datetimeFigureOut">
               <a:rPr lang="en-US" smtClean="0"/>
-              <a:t>1/15/2023</a:t>
+              <a:t>1/20/2024</a:t>
             </a:fld>
             <a:endParaRPr lang="en-US"/>
           </a:p>
@@ -4200,7 +1412,7 @@
           <a:p>
             <a:fld id="{5BFFF451-0D1F-4CDF-9F7D-A2BA04FDB79E}" type="datetimeFigureOut">
               <a:rPr lang="en-US" smtClean="0"/>
-              <a:t>1/15/2023</a:t>
+              <a:t>1/20/2024</a:t>
             </a:fld>
             <a:endParaRPr lang="en-US"/>
           </a:p>
@@ -4612,7 +1824,7 @@
           <a:p>
             <a:fld id="{5BFFF451-0D1F-4CDF-9F7D-A2BA04FDB79E}" type="datetimeFigureOut">
               <a:rPr lang="en-US" smtClean="0"/>
-              <a:t>1/15/2023</a:t>
+              <a:t>1/20/2024</a:t>
             </a:fld>
             <a:endParaRPr lang="en-US"/>
           </a:p>
@@ -4753,7 +1965,7 @@
           <a:p>
             <a:fld id="{5BFFF451-0D1F-4CDF-9F7D-A2BA04FDB79E}" type="datetimeFigureOut">
               <a:rPr lang="en-US" smtClean="0"/>
-              <a:t>1/15/2023</a:t>
+              <a:t>1/20/2024</a:t>
             </a:fld>
             <a:endParaRPr lang="en-US"/>
           </a:p>
@@ -4866,7 +2078,7 @@
           <a:p>
             <a:fld id="{5BFFF451-0D1F-4CDF-9F7D-A2BA04FDB79E}" type="datetimeFigureOut">
               <a:rPr lang="en-US" smtClean="0"/>
-              <a:t>1/15/2023</a:t>
+              <a:t>1/20/2024</a:t>
             </a:fld>
             <a:endParaRPr lang="en-US"/>
           </a:p>
@@ -5177,7 +2389,7 @@
           <a:p>
             <a:fld id="{5BFFF451-0D1F-4CDF-9F7D-A2BA04FDB79E}" type="datetimeFigureOut">
               <a:rPr lang="en-US" smtClean="0"/>
-              <a:t>1/15/2023</a:t>
+              <a:t>1/20/2024</a:t>
             </a:fld>
             <a:endParaRPr lang="en-US"/>
           </a:p>
@@ -5465,7 +2677,7 @@
           <a:p>
             <a:fld id="{5BFFF451-0D1F-4CDF-9F7D-A2BA04FDB79E}" type="datetimeFigureOut">
               <a:rPr lang="en-US" smtClean="0"/>
-              <a:t>1/15/2023</a:t>
+              <a:t>1/20/2024</a:t>
             </a:fld>
             <a:endParaRPr lang="en-US"/>
           </a:p>
@@ -5706,7 +2918,7 @@
           <a:p>
             <a:fld id="{5BFFF451-0D1F-4CDF-9F7D-A2BA04FDB79E}" type="datetimeFigureOut">
               <a:rPr lang="en-US" smtClean="0"/>
-              <a:t>1/15/2023</a:t>
+              <a:t>1/20/2024</a:t>
             </a:fld>
             <a:endParaRPr lang="en-US"/>
           </a:p>
@@ -6123,64 +3335,6 @@
           <a:chExt cx="0" cy="0"/>
         </a:xfrm>
       </p:grpSpPr>
-      <p:graphicFrame>
-        <p:nvGraphicFramePr>
-          <p:cNvPr id="4" name="Diagram 3">
-            <a:extLst>
-              <a:ext uri="{FF2B5EF4-FFF2-40B4-BE49-F238E27FC236}">
-                <a16:creationId xmlns:a16="http://schemas.microsoft.com/office/drawing/2014/main" id="{4222069F-98C1-8C38-8812-959414987296}"/>
-              </a:ext>
-            </a:extLst>
-          </p:cNvPr>
-          <p:cNvGraphicFramePr/>
-          <p:nvPr>
-            <p:extLst>
-              <p:ext uri="{D42A27DB-BD31-4B8C-83A1-F6EECF244321}">
-                <p14:modId xmlns:p14="http://schemas.microsoft.com/office/powerpoint/2010/main" val="1743753107"/>
-              </p:ext>
-            </p:extLst>
-          </p:nvPr>
-        </p:nvGraphicFramePr>
-        <p:xfrm>
-          <a:off x="781235" y="0"/>
-          <a:ext cx="11070454" cy="6489577"/>
-        </p:xfrm>
-        <a:graphic>
-          <a:graphicData uri="http://schemas.openxmlformats.org/drawingml/2006/diagram">
-            <dgm:relIds xmlns:dgm="http://schemas.openxmlformats.org/drawingml/2006/diagram" xmlns:r="http://schemas.openxmlformats.org/officeDocument/2006/relationships" r:dm="rId2" r:lo="rId3" r:qs="rId4" r:cs="rId5"/>
-          </a:graphicData>
-        </a:graphic>
-      </p:graphicFrame>
-    </p:spTree>
-    <p:extLst>
-      <p:ext uri="{BB962C8B-B14F-4D97-AF65-F5344CB8AC3E}">
-        <p14:creationId xmlns:p14="http://schemas.microsoft.com/office/powerpoint/2010/main" val="267271100"/>
-      </p:ext>
-    </p:extLst>
-  </p:cSld>
-  <p:clrMapOvr>
-    <a:masterClrMapping/>
-  </p:clrMapOvr>
-</p:sld>
-</file>
-
-<file path=ppt/slides/slide2.xml><?xml version="1.0" encoding="utf-8"?>
-<p:sld xmlns:a="http://schemas.openxmlformats.org/drawingml/2006/main" xmlns:r="http://schemas.openxmlformats.org/officeDocument/2006/relationships" xmlns:p="http://schemas.openxmlformats.org/presentationml/2006/main">
-  <p:cSld>
-    <p:spTree>
-      <p:nvGrpSpPr>
-        <p:cNvPr id="1" name=""/>
-        <p:cNvGrpSpPr/>
-        <p:nvPr/>
-      </p:nvGrpSpPr>
-      <p:grpSpPr>
-        <a:xfrm>
-          <a:off x="0" y="0"/>
-          <a:ext cx="0" cy="0"/>
-          <a:chOff x="0" y="0"/>
-          <a:chExt cx="0" cy="0"/>
-        </a:xfrm>
-      </p:grpSpPr>
       <p:sp>
         <p:nvSpPr>
           <p:cNvPr id="17" name="TextBox 16">
@@ -6502,7 +3656,7 @@
               <a:rPr lang="en-US" dirty="0">
                 <a:latin typeface="Amasis MT Pro Black" panose="02040A04050005020304" pitchFamily="18" charset="0"/>
               </a:rPr>
-              <a:t>Microbial community</a:t>
+              <a:t>Resource acquisition traits</a:t>
             </a:r>
           </a:p>
         </p:txBody>
@@ -6574,12 +3728,20 @@
           </a:bodyPr>
           <a:lstStyle/>
           <a:p>
+            <a:pPr algn="ctr"/>
+            <a:r>
+              <a:rPr lang="en-US" sz="2000" u="sng" dirty="0" err="1">
+                <a:latin typeface="Arabic Typesetting" panose="020B0604020202020204" pitchFamily="66" charset="-78"/>
+                <a:cs typeface="Arabic Typesetting" panose="020B0604020202020204" pitchFamily="66" charset="-78"/>
+              </a:rPr>
+              <a:t>CAZyme</a:t>
+            </a:r>
             <a:r>
               <a:rPr lang="en-US" sz="2000" u="sng" dirty="0">
                 <a:latin typeface="Arabic Typesetting" panose="020B0604020202020204" pitchFamily="66" charset="-78"/>
                 <a:cs typeface="Arabic Typesetting" panose="020B0604020202020204" pitchFamily="66" charset="-78"/>
               </a:rPr>
-              <a:t>Functional potential</a:t>
+              <a:t> genes</a:t>
             </a:r>
           </a:p>
         </p:txBody>
@@ -6612,7 +3774,7 @@
         </p:blipFill>
         <p:spPr>
           <a:xfrm>
-            <a:off x="8278750" y="2067370"/>
+            <a:off x="8278750" y="1977539"/>
             <a:ext cx="1056314" cy="1069117"/>
           </a:xfrm>
           <a:prstGeom prst="rect">
@@ -6634,8 +3796,8 @@
         </p:nvSpPr>
         <p:spPr>
           <a:xfrm>
-            <a:off x="8189434" y="3078340"/>
-            <a:ext cx="1114558" cy="400110"/>
+            <a:off x="8220506" y="2958013"/>
+            <a:ext cx="1114558" cy="707886"/>
           </a:xfrm>
           <a:prstGeom prst="rect">
             <a:avLst/>
@@ -6648,12 +3810,13 @@
           </a:bodyPr>
           <a:lstStyle/>
           <a:p>
+            <a:pPr algn="ctr"/>
             <a:r>
               <a:rPr lang="en-US" sz="2000" u="sng" dirty="0">
                 <a:latin typeface="Arabic Typesetting" panose="020B0604020202020204" pitchFamily="66" charset="-78"/>
                 <a:cs typeface="Arabic Typesetting" panose="020B0604020202020204" pitchFamily="66" charset="-78"/>
               </a:rPr>
-              <a:t>Functioning</a:t>
+              <a:t>Enzyme Vmax</a:t>
             </a:r>
           </a:p>
         </p:txBody>
@@ -6730,7 +3893,7 @@
           </a:prstGeom>
           <a:ln w="76200">
             <a:solidFill>
-              <a:schemeClr val="tx1"/>
+              <a:srgbClr val="FF0000"/>
             </a:solidFill>
             <a:tailEnd type="triangle"/>
           </a:ln>
@@ -6775,7 +3938,7 @@
           </a:prstGeom>
           <a:ln w="76200">
             <a:solidFill>
-              <a:schemeClr val="tx1"/>
+              <a:srgbClr val="FF0000"/>
             </a:solidFill>
             <a:tailEnd type="triangle"/>
           </a:ln>
